--- a/YouTube Live 13Jun2020/Creating Dashboards.pptx
+++ b/YouTube Live 13Jun2020/Creating Dashboards.pptx
@@ -5,16 +5,17 @@
     <p:sldMasterId id="2147483648" r:id="rId4"/>
   </p:sldMasterIdLst>
   <p:notesMasterIdLst>
-    <p:notesMasterId r:id="rId9"/>
+    <p:notesMasterId r:id="rId10"/>
   </p:notesMasterIdLst>
   <p:handoutMasterIdLst>
-    <p:handoutMasterId r:id="rId10"/>
+    <p:handoutMasterId r:id="rId11"/>
   </p:handoutMasterIdLst>
   <p:sldIdLst>
     <p:sldId id="282" r:id="rId5"/>
     <p:sldId id="283" r:id="rId6"/>
-    <p:sldId id="294" r:id="rId7"/>
-    <p:sldId id="296" r:id="rId8"/>
+    <p:sldId id="297" r:id="rId7"/>
+    <p:sldId id="298" r:id="rId8"/>
+    <p:sldId id="296" r:id="rId9"/>
   </p:sldIdLst>
   <p:sldSz cx="12192000" cy="6858000"/>
   <p:notesSz cx="6858000" cy="9144000"/>
@@ -122,2887 +123,6 @@
     </p:ext>
   </p:extLst>
 </p:presentation>
-</file>
-
-<file path=ppt/charts/chart1.xml><?xml version="1.0" encoding="utf-8"?>
-<c:chartSpace xmlns:c="http://schemas.openxmlformats.org/drawingml/2006/chart" xmlns:a="http://schemas.openxmlformats.org/drawingml/2006/main" xmlns:r="http://schemas.openxmlformats.org/officeDocument/2006/relationships" xmlns:c16r2="http://schemas.microsoft.com/office/drawing/2015/06/chart">
-  <c:date1904 val="0"/>
-  <c:lang val="en-US"/>
-  <c:roundedCorners val="0"/>
-  <mc:AlternateContent xmlns:mc="http://schemas.openxmlformats.org/markup-compatibility/2006">
-    <mc:Choice xmlns:c14="http://schemas.microsoft.com/office/drawing/2007/8/2/chart" Requires="c14">
-      <c14:style val="102"/>
-    </mc:Choice>
-    <mc:Fallback>
-      <c:style val="2"/>
-    </mc:Fallback>
-  </mc:AlternateContent>
-  <c:chart>
-    <c:title>
-      <c:tx>
-        <c:rich>
-          <a:bodyPr rot="0" spcFirstLastPara="1" vertOverflow="ellipsis" vert="horz" wrap="square" anchor="ctr" anchorCtr="1"/>
-          <a:lstStyle/>
-          <a:p>
-            <a:pPr>
-              <a:defRPr sz="1862" b="1" i="0" u="none" strike="noStrike" kern="1200" spc="0" baseline="0">
-                <a:solidFill>
-                  <a:schemeClr val="tx1">
-                    <a:lumMod val="75000"/>
-                    <a:lumOff val="25000"/>
-                  </a:schemeClr>
-                </a:solidFill>
-                <a:latin typeface="+mj-lt"/>
-                <a:ea typeface="+mn-ea"/>
-                <a:cs typeface="+mn-cs"/>
-              </a:defRPr>
-            </a:pPr>
-            <a:r>
-              <a:rPr lang="en-US" b="1" dirty="0">
-                <a:solidFill>
-                  <a:schemeClr val="tx1">
-                    <a:lumMod val="75000"/>
-                    <a:lumOff val="25000"/>
-                  </a:schemeClr>
-                </a:solidFill>
-                <a:latin typeface="+mj-lt"/>
-              </a:rPr>
-              <a:t>Gross Revenue</a:t>
-            </a:r>
-          </a:p>
-        </c:rich>
-      </c:tx>
-      <c:overlay val="0"/>
-      <c:spPr>
-        <a:noFill/>
-        <a:ln>
-          <a:noFill/>
-        </a:ln>
-        <a:effectLst/>
-      </c:spPr>
-      <c:txPr>
-        <a:bodyPr rot="0" spcFirstLastPara="1" vertOverflow="ellipsis" vert="horz" wrap="square" anchor="ctr" anchorCtr="1"/>
-        <a:lstStyle/>
-        <a:p>
-          <a:pPr>
-            <a:defRPr sz="1862" b="1" i="0" u="none" strike="noStrike" kern="1200" spc="0" baseline="0">
-              <a:solidFill>
-                <a:schemeClr val="tx1">
-                  <a:lumMod val="75000"/>
-                  <a:lumOff val="25000"/>
-                </a:schemeClr>
-              </a:solidFill>
-              <a:latin typeface="+mj-lt"/>
-              <a:ea typeface="+mn-ea"/>
-              <a:cs typeface="+mn-cs"/>
-            </a:defRPr>
-          </a:pPr>
-          <a:endParaRPr lang="en-US"/>
-        </a:p>
-      </c:txPr>
-    </c:title>
-    <c:autoTitleDeleted val="0"/>
-    <c:plotArea>
-      <c:layout/>
-      <c:barChart>
-        <c:barDir val="col"/>
-        <c:grouping val="clustered"/>
-        <c:varyColors val="0"/>
-        <c:ser>
-          <c:idx val="0"/>
-          <c:order val="0"/>
-          <c:tx>
-            <c:strRef>
-              <c:f>Sheet1!$B$1</c:f>
-              <c:strCache>
-                <c:ptCount val="1"/>
-                <c:pt idx="0">
-                  <c:v>Series 1</c:v>
-                </c:pt>
-              </c:strCache>
-            </c:strRef>
-          </c:tx>
-          <c:spPr>
-            <a:solidFill>
-              <a:schemeClr val="accent3"/>
-            </a:solidFill>
-            <a:ln>
-              <a:noFill/>
-            </a:ln>
-            <a:effectLst/>
-          </c:spPr>
-          <c:invertIfNegative val="0"/>
-          <c:dPt>
-            <c:idx val="1"/>
-            <c:invertIfNegative val="0"/>
-            <c:bubble3D val="0"/>
-            <c:spPr>
-              <a:solidFill>
-                <a:schemeClr val="accent2"/>
-              </a:solidFill>
-              <a:ln>
-                <a:noFill/>
-              </a:ln>
-              <a:effectLst/>
-            </c:spPr>
-            <c:extLst>
-              <c:ext xmlns:c16="http://schemas.microsoft.com/office/drawing/2014/chart" uri="{C3380CC4-5D6E-409C-BE32-E72D297353CC}">
-                <c16:uniqueId val="{00000001-B061-4A50-A0F1-15FF7862FAD3}"/>
-              </c:ext>
-            </c:extLst>
-          </c:dPt>
-          <c:dPt>
-            <c:idx val="3"/>
-            <c:invertIfNegative val="0"/>
-            <c:bubble3D val="0"/>
-            <c:spPr>
-              <a:solidFill>
-                <a:schemeClr val="accent1"/>
-              </a:solidFill>
-              <a:ln>
-                <a:noFill/>
-              </a:ln>
-              <a:effectLst/>
-            </c:spPr>
-            <c:extLst>
-              <c:ext xmlns:c16="http://schemas.microsoft.com/office/drawing/2014/chart" uri="{C3380CC4-5D6E-409C-BE32-E72D297353CC}">
-                <c16:uniqueId val="{00000003-B061-4A50-A0F1-15FF7862FAD3}"/>
-              </c:ext>
-            </c:extLst>
-          </c:dPt>
-          <c:dPt>
-            <c:idx val="4"/>
-            <c:invertIfNegative val="0"/>
-            <c:bubble3D val="0"/>
-            <c:spPr>
-              <a:solidFill>
-                <a:schemeClr val="accent4"/>
-              </a:solidFill>
-              <a:ln>
-                <a:noFill/>
-              </a:ln>
-              <a:effectLst/>
-            </c:spPr>
-            <c:extLst>
-              <c:ext xmlns:c16="http://schemas.microsoft.com/office/drawing/2014/chart" uri="{C3380CC4-5D6E-409C-BE32-E72D297353CC}">
-                <c16:uniqueId val="{00000005-B061-4A50-A0F1-15FF7862FAD3}"/>
-              </c:ext>
-            </c:extLst>
-          </c:dPt>
-          <c:cat>
-            <c:strRef>
-              <c:f>Sheet1!$A$2:$A$6</c:f>
-              <c:strCache>
-                <c:ptCount val="5"/>
-                <c:pt idx="0">
-                  <c:v>20YY</c:v>
-                </c:pt>
-                <c:pt idx="1">
-                  <c:v>20YY</c:v>
-                </c:pt>
-                <c:pt idx="2">
-                  <c:v>20YY</c:v>
-                </c:pt>
-                <c:pt idx="3">
-                  <c:v>20YY</c:v>
-                </c:pt>
-                <c:pt idx="4">
-                  <c:v>20YY</c:v>
-                </c:pt>
-              </c:strCache>
-            </c:strRef>
-          </c:cat>
-          <c:val>
-            <c:numRef>
-              <c:f>Sheet1!$B$2:$B$6</c:f>
-              <c:numCache>
-                <c:formatCode>[$$-409]#,##0</c:formatCode>
-                <c:ptCount val="5"/>
-                <c:pt idx="0">
-                  <c:v>0</c:v>
-                </c:pt>
-                <c:pt idx="1">
-                  <c:v>6750</c:v>
-                </c:pt>
-                <c:pt idx="2">
-                  <c:v>33750</c:v>
-                </c:pt>
-                <c:pt idx="3">
-                  <c:v>135000</c:v>
-                </c:pt>
-                <c:pt idx="4">
-                  <c:v>270000</c:v>
-                </c:pt>
-              </c:numCache>
-            </c:numRef>
-          </c:val>
-          <c:extLst>
-            <c:ext xmlns:c16="http://schemas.microsoft.com/office/drawing/2014/chart" uri="{C3380CC4-5D6E-409C-BE32-E72D297353CC}">
-              <c16:uniqueId val="{00000006-B061-4A50-A0F1-15FF7862FAD3}"/>
-            </c:ext>
-          </c:extLst>
-        </c:ser>
-        <c:dLbls>
-          <c:showLegendKey val="0"/>
-          <c:showVal val="0"/>
-          <c:showCatName val="0"/>
-          <c:showSerName val="0"/>
-          <c:showPercent val="0"/>
-          <c:showBubbleSize val="0"/>
-        </c:dLbls>
-        <c:gapWidth val="25"/>
-        <c:axId val="1000041416"/>
-        <c:axId val="1000041744"/>
-      </c:barChart>
-      <c:catAx>
-        <c:axId val="1000041416"/>
-        <c:scaling>
-          <c:orientation val="minMax"/>
-        </c:scaling>
-        <c:delete val="0"/>
-        <c:axPos val="b"/>
-        <c:numFmt formatCode="General" sourceLinked="1"/>
-        <c:majorTickMark val="none"/>
-        <c:minorTickMark val="none"/>
-        <c:tickLblPos val="nextTo"/>
-        <c:spPr>
-          <a:noFill/>
-          <a:ln w="9525" cap="flat" cmpd="sng" algn="ctr">
-            <a:solidFill>
-              <a:schemeClr val="tx1">
-                <a:lumMod val="15000"/>
-                <a:lumOff val="85000"/>
-              </a:schemeClr>
-            </a:solidFill>
-            <a:round/>
-          </a:ln>
-          <a:effectLst/>
-        </c:spPr>
-        <c:txPr>
-          <a:bodyPr rot="-60000000" spcFirstLastPara="1" vertOverflow="ellipsis" vert="horz" wrap="square" anchor="ctr" anchorCtr="1"/>
-          <a:lstStyle/>
-          <a:p>
-            <a:pPr>
-              <a:defRPr sz="1400" b="0" i="0" u="none" strike="noStrike" kern="1200" baseline="0">
-                <a:solidFill>
-                  <a:schemeClr val="tx1">
-                    <a:lumMod val="65000"/>
-                    <a:lumOff val="35000"/>
-                  </a:schemeClr>
-                </a:solidFill>
-                <a:latin typeface="+mn-lt"/>
-                <a:ea typeface="+mn-ea"/>
-                <a:cs typeface="+mn-cs"/>
-              </a:defRPr>
-            </a:pPr>
-            <a:endParaRPr lang="en-US"/>
-          </a:p>
-        </c:txPr>
-        <c:crossAx val="1000041744"/>
-        <c:crosses val="autoZero"/>
-        <c:auto val="1"/>
-        <c:lblAlgn val="ctr"/>
-        <c:lblOffset val="100"/>
-        <c:noMultiLvlLbl val="0"/>
-      </c:catAx>
-      <c:valAx>
-        <c:axId val="1000041744"/>
-        <c:scaling>
-          <c:orientation val="minMax"/>
-        </c:scaling>
-        <c:delete val="0"/>
-        <c:axPos val="l"/>
-        <c:majorGridlines>
-          <c:spPr>
-            <a:ln w="9525" cap="flat" cmpd="sng" algn="ctr">
-              <a:solidFill>
-                <a:schemeClr val="tx1">
-                  <a:lumMod val="15000"/>
-                  <a:lumOff val="85000"/>
-                </a:schemeClr>
-              </a:solidFill>
-              <a:round/>
-            </a:ln>
-            <a:effectLst/>
-          </c:spPr>
-        </c:majorGridlines>
-        <c:numFmt formatCode="[$$-409]#,##0" sourceLinked="1"/>
-        <c:majorTickMark val="none"/>
-        <c:minorTickMark val="none"/>
-        <c:tickLblPos val="nextTo"/>
-        <c:spPr>
-          <a:noFill/>
-          <a:ln>
-            <a:noFill/>
-          </a:ln>
-          <a:effectLst/>
-        </c:spPr>
-        <c:txPr>
-          <a:bodyPr rot="-60000000" spcFirstLastPara="1" vertOverflow="ellipsis" vert="horz" wrap="square" anchor="ctr" anchorCtr="1"/>
-          <a:lstStyle/>
-          <a:p>
-            <a:pPr>
-              <a:defRPr sz="1400" b="0" i="0" u="none" strike="noStrike" kern="1200" baseline="0">
-                <a:solidFill>
-                  <a:schemeClr val="tx1">
-                    <a:lumMod val="65000"/>
-                    <a:lumOff val="35000"/>
-                  </a:schemeClr>
-                </a:solidFill>
-                <a:latin typeface="+mn-lt"/>
-                <a:ea typeface="+mn-ea"/>
-                <a:cs typeface="+mn-cs"/>
-              </a:defRPr>
-            </a:pPr>
-            <a:endParaRPr lang="en-US"/>
-          </a:p>
-        </c:txPr>
-        <c:crossAx val="1000041416"/>
-        <c:crosses val="autoZero"/>
-        <c:crossBetween val="between"/>
-      </c:valAx>
-      <c:spPr>
-        <a:noFill/>
-        <a:ln>
-          <a:noFill/>
-        </a:ln>
-        <a:effectLst/>
-      </c:spPr>
-    </c:plotArea>
-    <c:plotVisOnly val="1"/>
-    <c:dispBlanksAs val="gap"/>
-    <c:extLst>
-      <c:ext xmlns:c16r3="http://schemas.microsoft.com/office/drawing/2017/03/chart" uri="{56B9EC1D-385E-4148-901F-78D8002777C0}">
-        <c16r3:dataDisplayOptions16>
-          <c16r3:dispNaAsBlank val="1"/>
-        </c16r3:dataDisplayOptions16>
-      </c:ext>
-    </c:extLst>
-    <c:showDLblsOverMax val="0"/>
-  </c:chart>
-  <c:spPr>
-    <a:noFill/>
-    <a:ln>
-      <a:noFill/>
-    </a:ln>
-    <a:effectLst/>
-  </c:spPr>
-  <c:txPr>
-    <a:bodyPr/>
-    <a:lstStyle/>
-    <a:p>
-      <a:pPr>
-        <a:defRPr/>
-      </a:pPr>
-      <a:endParaRPr lang="en-US"/>
-    </a:p>
-  </c:txPr>
-  <c:externalData r:id="rId3">
-    <c:autoUpdate val="0"/>
-  </c:externalData>
-</c:chartSpace>
-</file>
-
-<file path=ppt/charts/chart2.xml><?xml version="1.0" encoding="utf-8"?>
-<c:chartSpace xmlns:c="http://schemas.openxmlformats.org/drawingml/2006/chart" xmlns:a="http://schemas.openxmlformats.org/drawingml/2006/main" xmlns:r="http://schemas.openxmlformats.org/officeDocument/2006/relationships" xmlns:c16r2="http://schemas.microsoft.com/office/drawing/2015/06/chart">
-  <c:date1904 val="0"/>
-  <c:lang val="en-US"/>
-  <c:roundedCorners val="0"/>
-  <mc:AlternateContent xmlns:mc="http://schemas.openxmlformats.org/markup-compatibility/2006">
-    <mc:Choice xmlns:c14="http://schemas.microsoft.com/office/drawing/2007/8/2/chart" Requires="c14">
-      <c14:style val="102"/>
-    </mc:Choice>
-    <mc:Fallback>
-      <c:style val="2"/>
-    </mc:Fallback>
-  </mc:AlternateContent>
-  <c:chart>
-    <c:title>
-      <c:tx>
-        <c:rich>
-          <a:bodyPr rot="0" spcFirstLastPara="1" vertOverflow="ellipsis" vert="horz" wrap="square" anchor="ctr" anchorCtr="1"/>
-          <a:lstStyle/>
-          <a:p>
-            <a:pPr algn="ctr" rtl="0">
-              <a:defRPr lang="en-US" sz="1862" b="1" i="0" u="none" strike="noStrike" kern="1200" spc="0" baseline="0" dirty="0">
-                <a:solidFill>
-                  <a:schemeClr val="tx1">
-                    <a:lumMod val="75000"/>
-                    <a:lumOff val="25000"/>
-                  </a:schemeClr>
-                </a:solidFill>
-                <a:latin typeface="+mj-lt"/>
-                <a:ea typeface="+mn-ea"/>
-                <a:cs typeface="+mn-cs"/>
-              </a:defRPr>
-            </a:pPr>
-            <a:r>
-              <a:rPr lang="en-US" sz="1862" b="1" i="0" u="none" strike="noStrike" kern="1200" spc="0" baseline="0" dirty="0">
-                <a:solidFill>
-                  <a:schemeClr val="tx1">
-                    <a:lumMod val="75000"/>
-                    <a:lumOff val="25000"/>
-                  </a:schemeClr>
-                </a:solidFill>
-                <a:latin typeface="+mj-lt"/>
-                <a:ea typeface="+mn-ea"/>
-                <a:cs typeface="+mn-cs"/>
-              </a:rPr>
-              <a:t>Company Sales</a:t>
-            </a:r>
-          </a:p>
-        </c:rich>
-      </c:tx>
-      <c:overlay val="0"/>
-      <c:spPr>
-        <a:noFill/>
-        <a:ln>
-          <a:noFill/>
-        </a:ln>
-        <a:effectLst/>
-      </c:spPr>
-      <c:txPr>
-        <a:bodyPr rot="0" spcFirstLastPara="1" vertOverflow="ellipsis" vert="horz" wrap="square" anchor="ctr" anchorCtr="1"/>
-        <a:lstStyle/>
-        <a:p>
-          <a:pPr algn="ctr" rtl="0">
-            <a:defRPr lang="en-US" sz="1862" b="1" i="0" u="none" strike="noStrike" kern="1200" spc="0" baseline="0" dirty="0">
-              <a:solidFill>
-                <a:schemeClr val="tx1">
-                  <a:lumMod val="75000"/>
-                  <a:lumOff val="25000"/>
-                </a:schemeClr>
-              </a:solidFill>
-              <a:latin typeface="+mj-lt"/>
-              <a:ea typeface="+mn-ea"/>
-              <a:cs typeface="+mn-cs"/>
-            </a:defRPr>
-          </a:pPr>
-          <a:endParaRPr lang="en-US"/>
-        </a:p>
-      </c:txPr>
-    </c:title>
-    <c:autoTitleDeleted val="0"/>
-    <c:plotArea>
-      <c:layout/>
-      <c:doughnutChart>
-        <c:varyColors val="1"/>
-        <c:ser>
-          <c:idx val="0"/>
-          <c:order val="0"/>
-          <c:tx>
-            <c:strRef>
-              <c:f>Sheet1!$B$1</c:f>
-              <c:strCache>
-                <c:ptCount val="1"/>
-                <c:pt idx="0">
-                  <c:v>Series 1</c:v>
-                </c:pt>
-              </c:strCache>
-            </c:strRef>
-          </c:tx>
-          <c:spPr>
-            <a:solidFill>
-              <a:schemeClr val="accent3"/>
-            </a:solidFill>
-          </c:spPr>
-          <c:dPt>
-            <c:idx val="0"/>
-            <c:bubble3D val="0"/>
-            <c:spPr>
-              <a:solidFill>
-                <a:schemeClr val="accent3"/>
-              </a:solidFill>
-              <a:ln>
-                <a:noFill/>
-              </a:ln>
-              <a:effectLst/>
-            </c:spPr>
-            <c:extLst>
-              <c:ext xmlns:c16="http://schemas.microsoft.com/office/drawing/2014/chart" uri="{C3380CC4-5D6E-409C-BE32-E72D297353CC}">
-                <c16:uniqueId val="{00000001-9DB2-4335-913F-735FAEEA82C7}"/>
-              </c:ext>
-            </c:extLst>
-          </c:dPt>
-          <c:dPt>
-            <c:idx val="1"/>
-            <c:bubble3D val="0"/>
-            <c:spPr>
-              <a:solidFill>
-                <a:schemeClr val="accent2"/>
-              </a:solidFill>
-              <a:ln>
-                <a:noFill/>
-              </a:ln>
-              <a:effectLst/>
-            </c:spPr>
-            <c:extLst>
-              <c:ext xmlns:c16="http://schemas.microsoft.com/office/drawing/2014/chart" uri="{C3380CC4-5D6E-409C-BE32-E72D297353CC}">
-                <c16:uniqueId val="{00000003-9DB2-4335-913F-735FAEEA82C7}"/>
-              </c:ext>
-            </c:extLst>
-          </c:dPt>
-          <c:dPt>
-            <c:idx val="2"/>
-            <c:bubble3D val="0"/>
-            <c:spPr>
-              <a:solidFill>
-                <a:schemeClr val="accent3"/>
-              </a:solidFill>
-              <a:ln>
-                <a:noFill/>
-              </a:ln>
-              <a:effectLst/>
-            </c:spPr>
-            <c:extLst>
-              <c:ext xmlns:c16="http://schemas.microsoft.com/office/drawing/2014/chart" uri="{C3380CC4-5D6E-409C-BE32-E72D297353CC}">
-                <c16:uniqueId val="{00000005-9DB2-4335-913F-735FAEEA82C7}"/>
-              </c:ext>
-            </c:extLst>
-          </c:dPt>
-          <c:dPt>
-            <c:idx val="3"/>
-            <c:bubble3D val="0"/>
-            <c:spPr>
-              <a:solidFill>
-                <a:schemeClr val="accent1"/>
-              </a:solidFill>
-              <a:ln>
-                <a:noFill/>
-              </a:ln>
-              <a:effectLst/>
-            </c:spPr>
-            <c:extLst>
-              <c:ext xmlns:c16="http://schemas.microsoft.com/office/drawing/2014/chart" uri="{C3380CC4-5D6E-409C-BE32-E72D297353CC}">
-                <c16:uniqueId val="{00000007-9DB2-4335-913F-735FAEEA82C7}"/>
-              </c:ext>
-            </c:extLst>
-          </c:dPt>
-          <c:dPt>
-            <c:idx val="4"/>
-            <c:bubble3D val="0"/>
-            <c:spPr>
-              <a:solidFill>
-                <a:schemeClr val="accent4"/>
-              </a:solidFill>
-              <a:ln>
-                <a:noFill/>
-              </a:ln>
-              <a:effectLst/>
-            </c:spPr>
-            <c:extLst>
-              <c:ext xmlns:c16="http://schemas.microsoft.com/office/drawing/2014/chart" uri="{C3380CC4-5D6E-409C-BE32-E72D297353CC}">
-                <c16:uniqueId val="{00000009-9DB2-4335-913F-735FAEEA82C7}"/>
-              </c:ext>
-            </c:extLst>
-          </c:dPt>
-          <c:dLbls>
-            <c:dLbl>
-              <c:idx val="0"/>
-              <c:delete val="1"/>
-              <c:extLst>
-                <c:ext xmlns:c15="http://schemas.microsoft.com/office/drawing/2012/chart" uri="{CE6537A1-D6FC-4f65-9D91-7224C49458BB}"/>
-                <c:ext xmlns:c16="http://schemas.microsoft.com/office/drawing/2014/chart" uri="{C3380CC4-5D6E-409C-BE32-E72D297353CC}">
-                  <c16:uniqueId val="{00000001-9DB2-4335-913F-735FAEEA82C7}"/>
-                </c:ext>
-              </c:extLst>
-            </c:dLbl>
-            <c:dLbl>
-              <c:idx val="1"/>
-              <c:layout>
-                <c:manualLayout>
-                  <c:x val="-0.11615923344937455"/>
-                  <c:y val="-0.14002523289348653"/>
-                </c:manualLayout>
-              </c:layout>
-              <c:showLegendKey val="1"/>
-              <c:showVal val="1"/>
-              <c:showCatName val="0"/>
-              <c:showSerName val="0"/>
-              <c:showPercent val="0"/>
-              <c:showBubbleSize val="0"/>
-              <c:extLst>
-                <c:ext xmlns:c15="http://schemas.microsoft.com/office/drawing/2012/chart" uri="{CE6537A1-D6FC-4f65-9D91-7224C49458BB}"/>
-                <c:ext xmlns:c16="http://schemas.microsoft.com/office/drawing/2014/chart" uri="{C3380CC4-5D6E-409C-BE32-E72D297353CC}">
-                  <c16:uniqueId val="{00000003-9DB2-4335-913F-735FAEEA82C7}"/>
-                </c:ext>
-              </c:extLst>
-            </c:dLbl>
-            <c:dLbl>
-              <c:idx val="2"/>
-              <c:layout>
-                <c:manualLayout>
-                  <c:x val="0.13864166572989867"/>
-                  <c:y val="-0.15145586415009771"/>
-                </c:manualLayout>
-              </c:layout>
-              <c:showLegendKey val="1"/>
-              <c:showVal val="1"/>
-              <c:showCatName val="0"/>
-              <c:showSerName val="0"/>
-              <c:showPercent val="0"/>
-              <c:showBubbleSize val="0"/>
-              <c:extLst>
-                <c:ext xmlns:c15="http://schemas.microsoft.com/office/drawing/2012/chart" uri="{CE6537A1-D6FC-4f65-9D91-7224C49458BB}"/>
-                <c:ext xmlns:c16="http://schemas.microsoft.com/office/drawing/2014/chart" uri="{C3380CC4-5D6E-409C-BE32-E72D297353CC}">
-                  <c16:uniqueId val="{00000005-9DB2-4335-913F-735FAEEA82C7}"/>
-                </c:ext>
-              </c:extLst>
-            </c:dLbl>
-            <c:dLbl>
-              <c:idx val="3"/>
-              <c:layout>
-                <c:manualLayout>
-                  <c:x val="6.9525299079784011E-2"/>
-                  <c:y val="0.28576578141527864"/>
-                </c:manualLayout>
-              </c:layout>
-              <c:showLegendKey val="1"/>
-              <c:showVal val="1"/>
-              <c:showCatName val="0"/>
-              <c:showSerName val="0"/>
-              <c:showPercent val="0"/>
-              <c:showBubbleSize val="0"/>
-              <c:extLst>
-                <c:ext xmlns:c15="http://schemas.microsoft.com/office/drawing/2012/chart" uri="{CE6537A1-D6FC-4f65-9D91-7224C49458BB}"/>
-                <c:ext xmlns:c16="http://schemas.microsoft.com/office/drawing/2014/chart" uri="{C3380CC4-5D6E-409C-BE32-E72D297353CC}">
-                  <c16:uniqueId val="{00000007-9DB2-4335-913F-735FAEEA82C7}"/>
-                </c:ext>
-              </c:extLst>
-            </c:dLbl>
-            <c:dLbl>
-              <c:idx val="4"/>
-              <c:layout>
-                <c:manualLayout>
-                  <c:x val="-8.1787666114047294E-2"/>
-                  <c:y val="0.22861262513222283"/>
-                </c:manualLayout>
-              </c:layout>
-              <c:showLegendKey val="1"/>
-              <c:showVal val="1"/>
-              <c:showCatName val="0"/>
-              <c:showSerName val="0"/>
-              <c:showPercent val="0"/>
-              <c:showBubbleSize val="0"/>
-              <c:extLst>
-                <c:ext xmlns:c15="http://schemas.microsoft.com/office/drawing/2012/chart" uri="{CE6537A1-D6FC-4f65-9D91-7224C49458BB}"/>
-                <c:ext xmlns:c16="http://schemas.microsoft.com/office/drawing/2014/chart" uri="{C3380CC4-5D6E-409C-BE32-E72D297353CC}">
-                  <c16:uniqueId val="{00000009-9DB2-4335-913F-735FAEEA82C7}"/>
-                </c:ext>
-              </c:extLst>
-            </c:dLbl>
-            <c:spPr>
-              <a:noFill/>
-              <a:ln>
-                <a:noFill/>
-              </a:ln>
-              <a:effectLst/>
-            </c:spPr>
-            <c:txPr>
-              <a:bodyPr rot="0" spcFirstLastPara="1" vertOverflow="ellipsis" vert="horz" wrap="square" lIns="38100" tIns="19050" rIns="38100" bIns="19050" anchor="ctr" anchorCtr="1">
-                <a:spAutoFit/>
-              </a:bodyPr>
-              <a:lstStyle/>
-              <a:p>
-                <a:pPr>
-                  <a:defRPr sz="1197" b="0" i="0" u="none" strike="noStrike" kern="1200" baseline="0">
-                    <a:solidFill>
-                      <a:schemeClr val="tx1">
-                        <a:lumMod val="75000"/>
-                        <a:lumOff val="25000"/>
-                      </a:schemeClr>
-                    </a:solidFill>
-                    <a:latin typeface="+mn-lt"/>
-                    <a:ea typeface="+mn-ea"/>
-                    <a:cs typeface="+mn-cs"/>
-                  </a:defRPr>
-                </a:pPr>
-                <a:endParaRPr lang="en-US"/>
-              </a:p>
-            </c:txPr>
-            <c:showLegendKey val="1"/>
-            <c:showVal val="1"/>
-            <c:showCatName val="0"/>
-            <c:showSerName val="0"/>
-            <c:showPercent val="0"/>
-            <c:showBubbleSize val="0"/>
-            <c:showLeaderLines val="0"/>
-            <c:extLst>
-              <c:ext xmlns:c15="http://schemas.microsoft.com/office/drawing/2012/chart" uri="{CE6537A1-D6FC-4f65-9D91-7224C49458BB}"/>
-            </c:extLst>
-          </c:dLbls>
-          <c:cat>
-            <c:strRef>
-              <c:f>Sheet1!$A$2:$A$6</c:f>
-              <c:strCache>
-                <c:ptCount val="5"/>
-                <c:pt idx="0">
-                  <c:v>20YY</c:v>
-                </c:pt>
-                <c:pt idx="1">
-                  <c:v>20YY</c:v>
-                </c:pt>
-                <c:pt idx="2">
-                  <c:v>20YY</c:v>
-                </c:pt>
-                <c:pt idx="3">
-                  <c:v>20YY</c:v>
-                </c:pt>
-                <c:pt idx="4">
-                  <c:v>20YY</c:v>
-                </c:pt>
-              </c:strCache>
-            </c:strRef>
-          </c:cat>
-          <c:val>
-            <c:numRef>
-              <c:f>Sheet1!$B$2:$B$6</c:f>
-              <c:numCache>
-                <c:formatCode>[$$-409]#,##0</c:formatCode>
-                <c:ptCount val="5"/>
-                <c:pt idx="0">
-                  <c:v>0</c:v>
-                </c:pt>
-                <c:pt idx="1">
-                  <c:v>6750</c:v>
-                </c:pt>
-                <c:pt idx="2">
-                  <c:v>33750</c:v>
-                </c:pt>
-                <c:pt idx="3">
-                  <c:v>135000</c:v>
-                </c:pt>
-                <c:pt idx="4">
-                  <c:v>270000</c:v>
-                </c:pt>
-              </c:numCache>
-            </c:numRef>
-          </c:val>
-          <c:extLst>
-            <c:ext xmlns:c16="http://schemas.microsoft.com/office/drawing/2014/chart" uri="{C3380CC4-5D6E-409C-BE32-E72D297353CC}">
-              <c16:uniqueId val="{0000000A-9DB2-4335-913F-735FAEEA82C7}"/>
-            </c:ext>
-          </c:extLst>
-        </c:ser>
-        <c:dLbls>
-          <c:showLegendKey val="0"/>
-          <c:showVal val="0"/>
-          <c:showCatName val="0"/>
-          <c:showSerName val="0"/>
-          <c:showPercent val="0"/>
-          <c:showBubbleSize val="0"/>
-          <c:showLeaderLines val="0"/>
-        </c:dLbls>
-        <c:firstSliceAng val="0"/>
-        <c:holeSize val="84"/>
-      </c:doughnutChart>
-      <c:spPr>
-        <a:noFill/>
-        <a:ln>
-          <a:noFill/>
-        </a:ln>
-        <a:effectLst/>
-      </c:spPr>
-    </c:plotArea>
-    <c:plotVisOnly val="1"/>
-    <c:dispBlanksAs val="gap"/>
-    <c:extLst>
-      <c:ext xmlns:c16r3="http://schemas.microsoft.com/office/drawing/2017/03/chart" uri="{56B9EC1D-385E-4148-901F-78D8002777C0}">
-        <c16r3:dataDisplayOptions16>
-          <c16r3:dispNaAsBlank val="1"/>
-        </c16r3:dataDisplayOptions16>
-      </c:ext>
-    </c:extLst>
-    <c:showDLblsOverMax val="0"/>
-  </c:chart>
-  <c:spPr>
-    <a:noFill/>
-    <a:ln>
-      <a:noFill/>
-    </a:ln>
-    <a:effectLst/>
-  </c:spPr>
-  <c:txPr>
-    <a:bodyPr/>
-    <a:lstStyle/>
-    <a:p>
-      <a:pPr>
-        <a:defRPr/>
-      </a:pPr>
-      <a:endParaRPr lang="en-US"/>
-    </a:p>
-  </c:txPr>
-  <c:externalData r:id="rId3">
-    <c:autoUpdate val="0"/>
-  </c:externalData>
-</c:chartSpace>
-</file>
-
-<file path=ppt/charts/chart3.xml><?xml version="1.0" encoding="utf-8"?>
-<c:chartSpace xmlns:c="http://schemas.openxmlformats.org/drawingml/2006/chart" xmlns:a="http://schemas.openxmlformats.org/drawingml/2006/main" xmlns:r="http://schemas.openxmlformats.org/officeDocument/2006/relationships" xmlns:c16r2="http://schemas.microsoft.com/office/drawing/2015/06/chart">
-  <c:date1904 val="0"/>
-  <c:lang val="en-US"/>
-  <c:roundedCorners val="0"/>
-  <mc:AlternateContent xmlns:mc="http://schemas.openxmlformats.org/markup-compatibility/2006">
-    <mc:Choice xmlns:c14="http://schemas.microsoft.com/office/drawing/2007/8/2/chart" Requires="c14">
-      <c14:style val="102"/>
-    </mc:Choice>
-    <mc:Fallback>
-      <c:style val="2"/>
-    </mc:Fallback>
-  </mc:AlternateContent>
-  <c:chart>
-    <c:title>
-      <c:tx>
-        <c:rich>
-          <a:bodyPr rot="0" spcFirstLastPara="1" vertOverflow="ellipsis" vert="horz" wrap="square" anchor="ctr" anchorCtr="1"/>
-          <a:lstStyle/>
-          <a:p>
-            <a:pPr algn="ctr" rtl="0">
-              <a:defRPr lang="en-US" sz="1862" b="1" i="0" u="none" strike="noStrike" kern="1200" spc="0" baseline="0" dirty="0">
-                <a:solidFill>
-                  <a:schemeClr val="tx1">
-                    <a:lumMod val="75000"/>
-                    <a:lumOff val="25000"/>
-                  </a:schemeClr>
-                </a:solidFill>
-                <a:latin typeface="+mj-lt"/>
-                <a:ea typeface="+mn-ea"/>
-                <a:cs typeface="+mn-cs"/>
-              </a:defRPr>
-            </a:pPr>
-            <a:r>
-              <a:rPr lang="en-US" sz="1862" b="1" i="0" u="none" strike="noStrike" kern="1200" spc="0" baseline="0" dirty="0">
-                <a:solidFill>
-                  <a:schemeClr val="tx1">
-                    <a:lumMod val="75000"/>
-                    <a:lumOff val="25000"/>
-                  </a:schemeClr>
-                </a:solidFill>
-                <a:latin typeface="+mj-lt"/>
-                <a:ea typeface="+mn-ea"/>
-                <a:cs typeface="+mn-cs"/>
-              </a:rPr>
-              <a:t>Revenue Over Time</a:t>
-            </a:r>
-          </a:p>
-        </c:rich>
-      </c:tx>
-      <c:overlay val="0"/>
-      <c:spPr>
-        <a:noFill/>
-        <a:ln>
-          <a:noFill/>
-        </a:ln>
-        <a:effectLst/>
-      </c:spPr>
-      <c:txPr>
-        <a:bodyPr rot="0" spcFirstLastPara="1" vertOverflow="ellipsis" vert="horz" wrap="square" anchor="ctr" anchorCtr="1"/>
-        <a:lstStyle/>
-        <a:p>
-          <a:pPr algn="ctr" rtl="0">
-            <a:defRPr lang="en-US" sz="1862" b="1" i="0" u="none" strike="noStrike" kern="1200" spc="0" baseline="0" dirty="0">
-              <a:solidFill>
-                <a:schemeClr val="tx1">
-                  <a:lumMod val="75000"/>
-                  <a:lumOff val="25000"/>
-                </a:schemeClr>
-              </a:solidFill>
-              <a:latin typeface="+mj-lt"/>
-              <a:ea typeface="+mn-ea"/>
-              <a:cs typeface="+mn-cs"/>
-            </a:defRPr>
-          </a:pPr>
-          <a:endParaRPr lang="en-US"/>
-        </a:p>
-      </c:txPr>
-    </c:title>
-    <c:autoTitleDeleted val="0"/>
-    <c:plotArea>
-      <c:layout/>
-      <c:lineChart>
-        <c:grouping val="stacked"/>
-        <c:varyColors val="0"/>
-        <c:ser>
-          <c:idx val="0"/>
-          <c:order val="0"/>
-          <c:tx>
-            <c:strRef>
-              <c:f>Sheet1!$B$1</c:f>
-              <c:strCache>
-                <c:ptCount val="1"/>
-                <c:pt idx="0">
-                  <c:v>Series 1</c:v>
-                </c:pt>
-              </c:strCache>
-            </c:strRef>
-          </c:tx>
-          <c:spPr>
-            <a:ln w="28575" cap="rnd">
-              <a:solidFill>
-                <a:schemeClr val="accent1"/>
-              </a:solidFill>
-              <a:round/>
-            </a:ln>
-            <a:effectLst/>
-          </c:spPr>
-          <c:marker>
-            <c:symbol val="circle"/>
-            <c:size val="5"/>
-            <c:spPr>
-              <a:solidFill>
-                <a:schemeClr val="accent1"/>
-              </a:solidFill>
-              <a:ln w="9525">
-                <a:solidFill>
-                  <a:schemeClr val="accent1"/>
-                </a:solidFill>
-              </a:ln>
-              <a:effectLst/>
-            </c:spPr>
-          </c:marker>
-          <c:dPt>
-            <c:idx val="1"/>
-            <c:marker>
-              <c:symbol val="circle"/>
-              <c:size val="5"/>
-              <c:spPr>
-                <a:solidFill>
-                  <a:schemeClr val="accent1"/>
-                </a:solidFill>
-                <a:ln w="9525">
-                  <a:solidFill>
-                    <a:schemeClr val="accent1"/>
-                  </a:solidFill>
-                </a:ln>
-                <a:effectLst/>
-              </c:spPr>
-            </c:marker>
-            <c:bubble3D val="0"/>
-            <c:spPr>
-              <a:ln w="28575" cap="rnd">
-                <a:solidFill>
-                  <a:schemeClr val="accent1"/>
-                </a:solidFill>
-                <a:round/>
-              </a:ln>
-              <a:effectLst/>
-            </c:spPr>
-            <c:extLst>
-              <c:ext xmlns:c16="http://schemas.microsoft.com/office/drawing/2014/chart" uri="{C3380CC4-5D6E-409C-BE32-E72D297353CC}">
-                <c16:uniqueId val="{00000001-832F-492D-9B95-9DB67453339A}"/>
-              </c:ext>
-            </c:extLst>
-          </c:dPt>
-          <c:dPt>
-            <c:idx val="3"/>
-            <c:marker>
-              <c:symbol val="circle"/>
-              <c:size val="5"/>
-              <c:spPr>
-                <a:solidFill>
-                  <a:schemeClr val="accent1"/>
-                </a:solidFill>
-                <a:ln w="9525">
-                  <a:solidFill>
-                    <a:schemeClr val="accent1"/>
-                  </a:solidFill>
-                </a:ln>
-                <a:effectLst/>
-              </c:spPr>
-            </c:marker>
-            <c:bubble3D val="0"/>
-            <c:spPr>
-              <a:ln w="28575" cap="rnd">
-                <a:solidFill>
-                  <a:schemeClr val="accent1"/>
-                </a:solidFill>
-                <a:round/>
-              </a:ln>
-              <a:effectLst/>
-            </c:spPr>
-            <c:extLst>
-              <c:ext xmlns:c16="http://schemas.microsoft.com/office/drawing/2014/chart" uri="{C3380CC4-5D6E-409C-BE32-E72D297353CC}">
-                <c16:uniqueId val="{00000003-832F-492D-9B95-9DB67453339A}"/>
-              </c:ext>
-            </c:extLst>
-          </c:dPt>
-          <c:dPt>
-            <c:idx val="4"/>
-            <c:marker>
-              <c:symbol val="circle"/>
-              <c:size val="5"/>
-              <c:spPr>
-                <a:solidFill>
-                  <a:schemeClr val="accent1"/>
-                </a:solidFill>
-                <a:ln w="9525">
-                  <a:solidFill>
-                    <a:schemeClr val="accent1"/>
-                  </a:solidFill>
-                </a:ln>
-                <a:effectLst/>
-              </c:spPr>
-            </c:marker>
-            <c:bubble3D val="0"/>
-            <c:spPr>
-              <a:ln w="28575" cap="rnd">
-                <a:solidFill>
-                  <a:schemeClr val="accent1"/>
-                </a:solidFill>
-                <a:round/>
-              </a:ln>
-              <a:effectLst/>
-            </c:spPr>
-            <c:extLst>
-              <c:ext xmlns:c16="http://schemas.microsoft.com/office/drawing/2014/chart" uri="{C3380CC4-5D6E-409C-BE32-E72D297353CC}">
-                <c16:uniqueId val="{00000005-832F-492D-9B95-9DB67453339A}"/>
-              </c:ext>
-            </c:extLst>
-          </c:dPt>
-          <c:cat>
-            <c:strRef>
-              <c:f>Sheet1!$A$2:$A$6</c:f>
-              <c:strCache>
-                <c:ptCount val="5"/>
-                <c:pt idx="0">
-                  <c:v>20YY</c:v>
-                </c:pt>
-                <c:pt idx="1">
-                  <c:v>20YY</c:v>
-                </c:pt>
-                <c:pt idx="2">
-                  <c:v>20YY</c:v>
-                </c:pt>
-                <c:pt idx="3">
-                  <c:v>20YY</c:v>
-                </c:pt>
-                <c:pt idx="4">
-                  <c:v>20YY</c:v>
-                </c:pt>
-              </c:strCache>
-            </c:strRef>
-          </c:cat>
-          <c:val>
-            <c:numRef>
-              <c:f>Sheet1!$B$2:$B$6</c:f>
-              <c:numCache>
-                <c:formatCode>[$$-409]#,##0</c:formatCode>
-                <c:ptCount val="5"/>
-                <c:pt idx="0">
-                  <c:v>0</c:v>
-                </c:pt>
-                <c:pt idx="1">
-                  <c:v>6750</c:v>
-                </c:pt>
-                <c:pt idx="2">
-                  <c:v>33750</c:v>
-                </c:pt>
-                <c:pt idx="3">
-                  <c:v>135000</c:v>
-                </c:pt>
-                <c:pt idx="4">
-                  <c:v>270000</c:v>
-                </c:pt>
-              </c:numCache>
-            </c:numRef>
-          </c:val>
-          <c:smooth val="0"/>
-          <c:extLst>
-            <c:ext xmlns:c16="http://schemas.microsoft.com/office/drawing/2014/chart" uri="{C3380CC4-5D6E-409C-BE32-E72D297353CC}">
-              <c16:uniqueId val="{00000006-832F-492D-9B95-9DB67453339A}"/>
-            </c:ext>
-          </c:extLst>
-        </c:ser>
-        <c:dLbls>
-          <c:showLegendKey val="0"/>
-          <c:showVal val="0"/>
-          <c:showCatName val="0"/>
-          <c:showSerName val="0"/>
-          <c:showPercent val="0"/>
-          <c:showBubbleSize val="0"/>
-        </c:dLbls>
-        <c:marker val="1"/>
-        <c:smooth val="0"/>
-        <c:axId val="1000041416"/>
-        <c:axId val="1000041744"/>
-      </c:lineChart>
-      <c:catAx>
-        <c:axId val="1000041416"/>
-        <c:scaling>
-          <c:orientation val="minMax"/>
-        </c:scaling>
-        <c:delete val="0"/>
-        <c:axPos val="b"/>
-        <c:numFmt formatCode="General" sourceLinked="1"/>
-        <c:majorTickMark val="none"/>
-        <c:minorTickMark val="none"/>
-        <c:tickLblPos val="nextTo"/>
-        <c:spPr>
-          <a:noFill/>
-          <a:ln w="9525" cap="flat" cmpd="sng" algn="ctr">
-            <a:solidFill>
-              <a:schemeClr val="tx1">
-                <a:lumMod val="15000"/>
-                <a:lumOff val="85000"/>
-              </a:schemeClr>
-            </a:solidFill>
-            <a:round/>
-          </a:ln>
-          <a:effectLst/>
-        </c:spPr>
-        <c:txPr>
-          <a:bodyPr rot="-60000000" spcFirstLastPara="1" vertOverflow="ellipsis" vert="horz" wrap="square" anchor="ctr" anchorCtr="1"/>
-          <a:lstStyle/>
-          <a:p>
-            <a:pPr>
-              <a:defRPr sz="1400" b="0" i="0" u="none" strike="noStrike" kern="1200" baseline="0">
-                <a:solidFill>
-                  <a:schemeClr val="tx1">
-                    <a:lumMod val="65000"/>
-                    <a:lumOff val="35000"/>
-                  </a:schemeClr>
-                </a:solidFill>
-                <a:latin typeface="+mn-lt"/>
-                <a:ea typeface="+mn-ea"/>
-                <a:cs typeface="+mn-cs"/>
-              </a:defRPr>
-            </a:pPr>
-            <a:endParaRPr lang="en-US"/>
-          </a:p>
-        </c:txPr>
-        <c:crossAx val="1000041744"/>
-        <c:crosses val="autoZero"/>
-        <c:auto val="1"/>
-        <c:lblAlgn val="ctr"/>
-        <c:lblOffset val="100"/>
-        <c:noMultiLvlLbl val="0"/>
-      </c:catAx>
-      <c:valAx>
-        <c:axId val="1000041744"/>
-        <c:scaling>
-          <c:orientation val="minMax"/>
-        </c:scaling>
-        <c:delete val="0"/>
-        <c:axPos val="l"/>
-        <c:majorGridlines>
-          <c:spPr>
-            <a:ln w="9525" cap="flat" cmpd="sng" algn="ctr">
-              <a:solidFill>
-                <a:schemeClr val="tx1">
-                  <a:lumMod val="15000"/>
-                  <a:lumOff val="85000"/>
-                </a:schemeClr>
-              </a:solidFill>
-              <a:round/>
-            </a:ln>
-            <a:effectLst/>
-          </c:spPr>
-        </c:majorGridlines>
-        <c:numFmt formatCode="[$$-409]#,##0" sourceLinked="1"/>
-        <c:majorTickMark val="none"/>
-        <c:minorTickMark val="none"/>
-        <c:tickLblPos val="nextTo"/>
-        <c:spPr>
-          <a:noFill/>
-          <a:ln>
-            <a:noFill/>
-          </a:ln>
-          <a:effectLst/>
-        </c:spPr>
-        <c:txPr>
-          <a:bodyPr rot="-60000000" spcFirstLastPara="1" vertOverflow="ellipsis" vert="horz" wrap="square" anchor="ctr" anchorCtr="1"/>
-          <a:lstStyle/>
-          <a:p>
-            <a:pPr>
-              <a:defRPr sz="1400" b="0" i="0" u="none" strike="noStrike" kern="1200" baseline="0">
-                <a:solidFill>
-                  <a:schemeClr val="tx1">
-                    <a:lumMod val="65000"/>
-                    <a:lumOff val="35000"/>
-                  </a:schemeClr>
-                </a:solidFill>
-                <a:latin typeface="+mn-lt"/>
-                <a:ea typeface="+mn-ea"/>
-                <a:cs typeface="+mn-cs"/>
-              </a:defRPr>
-            </a:pPr>
-            <a:endParaRPr lang="en-US"/>
-          </a:p>
-        </c:txPr>
-        <c:crossAx val="1000041416"/>
-        <c:crosses val="autoZero"/>
-        <c:crossBetween val="between"/>
-      </c:valAx>
-      <c:spPr>
-        <a:noFill/>
-        <a:ln>
-          <a:noFill/>
-        </a:ln>
-        <a:effectLst/>
-      </c:spPr>
-    </c:plotArea>
-    <c:plotVisOnly val="1"/>
-    <c:dispBlanksAs val="gap"/>
-    <c:extLst>
-      <c:ext xmlns:c16r3="http://schemas.microsoft.com/office/drawing/2017/03/chart" uri="{56B9EC1D-385E-4148-901F-78D8002777C0}">
-        <c16r3:dataDisplayOptions16>
-          <c16r3:dispNaAsBlank val="1"/>
-        </c16r3:dataDisplayOptions16>
-      </c:ext>
-    </c:extLst>
-    <c:showDLblsOverMax val="0"/>
-  </c:chart>
-  <c:spPr>
-    <a:noFill/>
-    <a:ln>
-      <a:noFill/>
-    </a:ln>
-    <a:effectLst/>
-  </c:spPr>
-  <c:txPr>
-    <a:bodyPr/>
-    <a:lstStyle/>
-    <a:p>
-      <a:pPr>
-        <a:defRPr/>
-      </a:pPr>
-      <a:endParaRPr lang="en-US"/>
-    </a:p>
-  </c:txPr>
-  <c:externalData r:id="rId3">
-    <c:autoUpdate val="0"/>
-  </c:externalData>
-</c:chartSpace>
-</file>
-
-<file path=ppt/charts/colors1.xml><?xml version="1.0" encoding="utf-8"?>
-<cs:colorStyle xmlns:cs="http://schemas.microsoft.com/office/drawing/2012/chartStyle" xmlns:a="http://schemas.openxmlformats.org/drawingml/2006/main" meth="cycle" id="10">
-  <a:schemeClr val="accent1"/>
-  <a:schemeClr val="accent2"/>
-  <a:schemeClr val="accent3"/>
-  <a:schemeClr val="accent4"/>
-  <a:schemeClr val="accent5"/>
-  <a:schemeClr val="accent6"/>
-  <cs:variation/>
-  <cs:variation>
-    <a:lumMod val="60000"/>
-  </cs:variation>
-  <cs:variation>
-    <a:lumMod val="80000"/>
-    <a:lumOff val="20000"/>
-  </cs:variation>
-  <cs:variation>
-    <a:lumMod val="80000"/>
-  </cs:variation>
-  <cs:variation>
-    <a:lumMod val="60000"/>
-    <a:lumOff val="40000"/>
-  </cs:variation>
-  <cs:variation>
-    <a:lumMod val="50000"/>
-  </cs:variation>
-  <cs:variation>
-    <a:lumMod val="70000"/>
-    <a:lumOff val="30000"/>
-  </cs:variation>
-  <cs:variation>
-    <a:lumMod val="70000"/>
-  </cs:variation>
-  <cs:variation>
-    <a:lumMod val="50000"/>
-    <a:lumOff val="50000"/>
-  </cs:variation>
-</cs:colorStyle>
-</file>
-
-<file path=ppt/charts/colors2.xml><?xml version="1.0" encoding="utf-8"?>
-<cs:colorStyle xmlns:cs="http://schemas.microsoft.com/office/drawing/2012/chartStyle" xmlns:a="http://schemas.openxmlformats.org/drawingml/2006/main" meth="cycle" id="10">
-  <a:schemeClr val="accent1"/>
-  <a:schemeClr val="accent2"/>
-  <a:schemeClr val="accent3"/>
-  <a:schemeClr val="accent4"/>
-  <a:schemeClr val="accent5"/>
-  <a:schemeClr val="accent6"/>
-  <cs:variation/>
-  <cs:variation>
-    <a:lumMod val="60000"/>
-  </cs:variation>
-  <cs:variation>
-    <a:lumMod val="80000"/>
-    <a:lumOff val="20000"/>
-  </cs:variation>
-  <cs:variation>
-    <a:lumMod val="80000"/>
-  </cs:variation>
-  <cs:variation>
-    <a:lumMod val="60000"/>
-    <a:lumOff val="40000"/>
-  </cs:variation>
-  <cs:variation>
-    <a:lumMod val="50000"/>
-  </cs:variation>
-  <cs:variation>
-    <a:lumMod val="70000"/>
-    <a:lumOff val="30000"/>
-  </cs:variation>
-  <cs:variation>
-    <a:lumMod val="70000"/>
-  </cs:variation>
-  <cs:variation>
-    <a:lumMod val="50000"/>
-    <a:lumOff val="50000"/>
-  </cs:variation>
-</cs:colorStyle>
-</file>
-
-<file path=ppt/charts/colors3.xml><?xml version="1.0" encoding="utf-8"?>
-<cs:colorStyle xmlns:cs="http://schemas.microsoft.com/office/drawing/2012/chartStyle" xmlns:a="http://schemas.openxmlformats.org/drawingml/2006/main" meth="cycle" id="10">
-  <a:schemeClr val="accent1"/>
-  <a:schemeClr val="accent2"/>
-  <a:schemeClr val="accent3"/>
-  <a:schemeClr val="accent4"/>
-  <a:schemeClr val="accent5"/>
-  <a:schemeClr val="accent6"/>
-  <cs:variation/>
-  <cs:variation>
-    <a:lumMod val="60000"/>
-  </cs:variation>
-  <cs:variation>
-    <a:lumMod val="80000"/>
-    <a:lumOff val="20000"/>
-  </cs:variation>
-  <cs:variation>
-    <a:lumMod val="80000"/>
-  </cs:variation>
-  <cs:variation>
-    <a:lumMod val="60000"/>
-    <a:lumOff val="40000"/>
-  </cs:variation>
-  <cs:variation>
-    <a:lumMod val="50000"/>
-  </cs:variation>
-  <cs:variation>
-    <a:lumMod val="70000"/>
-    <a:lumOff val="30000"/>
-  </cs:variation>
-  <cs:variation>
-    <a:lumMod val="70000"/>
-  </cs:variation>
-  <cs:variation>
-    <a:lumMod val="50000"/>
-    <a:lumOff val="50000"/>
-  </cs:variation>
-</cs:colorStyle>
-</file>
-
-<file path=ppt/charts/style1.xml><?xml version="1.0" encoding="utf-8"?>
-<cs:chartStyle xmlns:cs="http://schemas.microsoft.com/office/drawing/2012/chartStyle" xmlns:a="http://schemas.openxmlformats.org/drawingml/2006/main" id="201">
-  <cs:axisTitle>
-    <cs:lnRef idx="0"/>
-    <cs:fillRef idx="0"/>
-    <cs:effectRef idx="0"/>
-    <cs:fontRef idx="minor">
-      <a:schemeClr val="tx1">
-        <a:lumMod val="65000"/>
-        <a:lumOff val="35000"/>
-      </a:schemeClr>
-    </cs:fontRef>
-    <cs:defRPr sz="1330" kern="1200"/>
-  </cs:axisTitle>
-  <cs:categoryAxis>
-    <cs:lnRef idx="0"/>
-    <cs:fillRef idx="0"/>
-    <cs:effectRef idx="0"/>
-    <cs:fontRef idx="minor">
-      <a:schemeClr val="tx1">
-        <a:lumMod val="65000"/>
-        <a:lumOff val="35000"/>
-      </a:schemeClr>
-    </cs:fontRef>
-    <cs:spPr>
-      <a:ln w="9525" cap="flat" cmpd="sng" algn="ctr">
-        <a:solidFill>
-          <a:schemeClr val="tx1">
-            <a:lumMod val="15000"/>
-            <a:lumOff val="85000"/>
-          </a:schemeClr>
-        </a:solidFill>
-        <a:round/>
-      </a:ln>
-    </cs:spPr>
-    <cs:defRPr sz="1197" kern="1200"/>
-  </cs:categoryAxis>
-  <cs:chartArea mods="allowNoFillOverride allowNoLineOverride">
-    <cs:lnRef idx="0"/>
-    <cs:fillRef idx="0"/>
-    <cs:effectRef idx="0"/>
-    <cs:fontRef idx="minor">
-      <a:schemeClr val="tx1"/>
-    </cs:fontRef>
-    <cs:spPr>
-      <a:solidFill>
-        <a:schemeClr val="bg1"/>
-      </a:solidFill>
-      <a:ln w="9525" cap="flat" cmpd="sng" algn="ctr">
-        <a:solidFill>
-          <a:schemeClr val="tx1">
-            <a:lumMod val="15000"/>
-            <a:lumOff val="85000"/>
-          </a:schemeClr>
-        </a:solidFill>
-        <a:round/>
-      </a:ln>
-    </cs:spPr>
-    <cs:defRPr sz="1330" kern="1200"/>
-  </cs:chartArea>
-  <cs:dataLabel>
-    <cs:lnRef idx="0"/>
-    <cs:fillRef idx="0"/>
-    <cs:effectRef idx="0"/>
-    <cs:fontRef idx="minor">
-      <a:schemeClr val="tx1">
-        <a:lumMod val="75000"/>
-        <a:lumOff val="25000"/>
-      </a:schemeClr>
-    </cs:fontRef>
-    <cs:defRPr sz="1197" kern="1200"/>
-  </cs:dataLabel>
-  <cs:dataLabelCallout>
-    <cs:lnRef idx="0"/>
-    <cs:fillRef idx="0"/>
-    <cs:effectRef idx="0"/>
-    <cs:fontRef idx="minor">
-      <a:schemeClr val="dk1">
-        <a:lumMod val="65000"/>
-        <a:lumOff val="35000"/>
-      </a:schemeClr>
-    </cs:fontRef>
-    <cs:spPr>
-      <a:solidFill>
-        <a:schemeClr val="lt1"/>
-      </a:solidFill>
-      <a:ln>
-        <a:solidFill>
-          <a:schemeClr val="dk1">
-            <a:lumMod val="25000"/>
-            <a:lumOff val="75000"/>
-          </a:schemeClr>
-        </a:solidFill>
-      </a:ln>
-    </cs:spPr>
-    <cs:defRPr sz="1197" kern="1200"/>
-    <cs:bodyPr rot="0" spcFirstLastPara="1" vertOverflow="clip" horzOverflow="clip" vert="horz" wrap="square" lIns="36576" tIns="18288" rIns="36576" bIns="18288" anchor="ctr" anchorCtr="1">
-      <a:spAutoFit/>
-    </cs:bodyPr>
-  </cs:dataLabelCallout>
-  <cs:dataPoint>
-    <cs:lnRef idx="0"/>
-    <cs:fillRef idx="1">
-      <cs:styleClr val="auto"/>
-    </cs:fillRef>
-    <cs:effectRef idx="0"/>
-    <cs:fontRef idx="minor">
-      <a:schemeClr val="tx1"/>
-    </cs:fontRef>
-  </cs:dataPoint>
-  <cs:dataPoint3D>
-    <cs:lnRef idx="0"/>
-    <cs:fillRef idx="1">
-      <cs:styleClr val="auto"/>
-    </cs:fillRef>
-    <cs:effectRef idx="0"/>
-    <cs:fontRef idx="minor">
-      <a:schemeClr val="tx1"/>
-    </cs:fontRef>
-  </cs:dataPoint3D>
-  <cs:dataPointLine>
-    <cs:lnRef idx="0">
-      <cs:styleClr val="auto"/>
-    </cs:lnRef>
-    <cs:fillRef idx="1"/>
-    <cs:effectRef idx="0"/>
-    <cs:fontRef idx="minor">
-      <a:schemeClr val="tx1"/>
-    </cs:fontRef>
-    <cs:spPr>
-      <a:ln w="28575" cap="rnd">
-        <a:solidFill>
-          <a:schemeClr val="phClr"/>
-        </a:solidFill>
-        <a:round/>
-      </a:ln>
-    </cs:spPr>
-  </cs:dataPointLine>
-  <cs:dataPointMarker>
-    <cs:lnRef idx="0">
-      <cs:styleClr val="auto"/>
-    </cs:lnRef>
-    <cs:fillRef idx="1">
-      <cs:styleClr val="auto"/>
-    </cs:fillRef>
-    <cs:effectRef idx="0"/>
-    <cs:fontRef idx="minor">
-      <a:schemeClr val="tx1"/>
-    </cs:fontRef>
-    <cs:spPr>
-      <a:ln w="9525">
-        <a:solidFill>
-          <a:schemeClr val="phClr"/>
-        </a:solidFill>
-      </a:ln>
-    </cs:spPr>
-  </cs:dataPointMarker>
-  <cs:dataPointMarkerLayout symbol="circle" size="5"/>
-  <cs:dataPointWireframe>
-    <cs:lnRef idx="0">
-      <cs:styleClr val="auto"/>
-    </cs:lnRef>
-    <cs:fillRef idx="1"/>
-    <cs:effectRef idx="0"/>
-    <cs:fontRef idx="minor">
-      <a:schemeClr val="tx1"/>
-    </cs:fontRef>
-    <cs:spPr>
-      <a:ln w="9525" cap="rnd">
-        <a:solidFill>
-          <a:schemeClr val="phClr"/>
-        </a:solidFill>
-        <a:round/>
-      </a:ln>
-    </cs:spPr>
-  </cs:dataPointWireframe>
-  <cs:dataTable>
-    <cs:lnRef idx="0"/>
-    <cs:fillRef idx="0"/>
-    <cs:effectRef idx="0"/>
-    <cs:fontRef idx="minor">
-      <a:schemeClr val="tx1">
-        <a:lumMod val="65000"/>
-        <a:lumOff val="35000"/>
-      </a:schemeClr>
-    </cs:fontRef>
-    <cs:spPr>
-      <a:noFill/>
-      <a:ln w="9525" cap="flat" cmpd="sng" algn="ctr">
-        <a:solidFill>
-          <a:schemeClr val="tx1">
-            <a:lumMod val="15000"/>
-            <a:lumOff val="85000"/>
-          </a:schemeClr>
-        </a:solidFill>
-        <a:round/>
-      </a:ln>
-    </cs:spPr>
-    <cs:defRPr sz="1197" kern="1200"/>
-  </cs:dataTable>
-  <cs:downBar>
-    <cs:lnRef idx="0"/>
-    <cs:fillRef idx="0"/>
-    <cs:effectRef idx="0"/>
-    <cs:fontRef idx="minor">
-      <a:schemeClr val="dk1"/>
-    </cs:fontRef>
-    <cs:spPr>
-      <a:solidFill>
-        <a:schemeClr val="dk1">
-          <a:lumMod val="65000"/>
-          <a:lumOff val="35000"/>
-        </a:schemeClr>
-      </a:solidFill>
-      <a:ln w="9525">
-        <a:solidFill>
-          <a:schemeClr val="tx1">
-            <a:lumMod val="65000"/>
-            <a:lumOff val="35000"/>
-          </a:schemeClr>
-        </a:solidFill>
-      </a:ln>
-    </cs:spPr>
-  </cs:downBar>
-  <cs:dropLine>
-    <cs:lnRef idx="0"/>
-    <cs:fillRef idx="0"/>
-    <cs:effectRef idx="0"/>
-    <cs:fontRef idx="minor">
-      <a:schemeClr val="tx1"/>
-    </cs:fontRef>
-    <cs:spPr>
-      <a:ln w="9525" cap="flat" cmpd="sng" algn="ctr">
-        <a:solidFill>
-          <a:schemeClr val="tx1">
-            <a:lumMod val="35000"/>
-            <a:lumOff val="65000"/>
-          </a:schemeClr>
-        </a:solidFill>
-        <a:round/>
-      </a:ln>
-    </cs:spPr>
-  </cs:dropLine>
-  <cs:errorBar>
-    <cs:lnRef idx="0"/>
-    <cs:fillRef idx="0"/>
-    <cs:effectRef idx="0"/>
-    <cs:fontRef idx="minor">
-      <a:schemeClr val="tx1"/>
-    </cs:fontRef>
-    <cs:spPr>
-      <a:ln w="9525" cap="flat" cmpd="sng" algn="ctr">
-        <a:solidFill>
-          <a:schemeClr val="tx1">
-            <a:lumMod val="65000"/>
-            <a:lumOff val="35000"/>
-          </a:schemeClr>
-        </a:solidFill>
-        <a:round/>
-      </a:ln>
-    </cs:spPr>
-  </cs:errorBar>
-  <cs:floor>
-    <cs:lnRef idx="0"/>
-    <cs:fillRef idx="0"/>
-    <cs:effectRef idx="0"/>
-    <cs:fontRef idx="minor">
-      <a:schemeClr val="tx1"/>
-    </cs:fontRef>
-    <cs:spPr>
-      <a:noFill/>
-      <a:ln>
-        <a:noFill/>
-      </a:ln>
-    </cs:spPr>
-  </cs:floor>
-  <cs:gridlineMajor>
-    <cs:lnRef idx="0"/>
-    <cs:fillRef idx="0"/>
-    <cs:effectRef idx="0"/>
-    <cs:fontRef idx="minor">
-      <a:schemeClr val="tx1"/>
-    </cs:fontRef>
-    <cs:spPr>
-      <a:ln w="9525" cap="flat" cmpd="sng" algn="ctr">
-        <a:solidFill>
-          <a:schemeClr val="tx1">
-            <a:lumMod val="15000"/>
-            <a:lumOff val="85000"/>
-          </a:schemeClr>
-        </a:solidFill>
-        <a:round/>
-      </a:ln>
-    </cs:spPr>
-  </cs:gridlineMajor>
-  <cs:gridlineMinor>
-    <cs:lnRef idx="0"/>
-    <cs:fillRef idx="0"/>
-    <cs:effectRef idx="0"/>
-    <cs:fontRef idx="minor">
-      <a:schemeClr val="tx1"/>
-    </cs:fontRef>
-    <cs:spPr>
-      <a:ln w="9525" cap="flat" cmpd="sng" algn="ctr">
-        <a:solidFill>
-          <a:schemeClr val="tx1">
-            <a:lumMod val="5000"/>
-            <a:lumOff val="95000"/>
-          </a:schemeClr>
-        </a:solidFill>
-        <a:round/>
-      </a:ln>
-    </cs:spPr>
-  </cs:gridlineMinor>
-  <cs:hiLoLine>
-    <cs:lnRef idx="0"/>
-    <cs:fillRef idx="0"/>
-    <cs:effectRef idx="0"/>
-    <cs:fontRef idx="minor">
-      <a:schemeClr val="tx1"/>
-    </cs:fontRef>
-    <cs:spPr>
-      <a:ln w="9525" cap="flat" cmpd="sng" algn="ctr">
-        <a:solidFill>
-          <a:schemeClr val="tx1">
-            <a:lumMod val="75000"/>
-            <a:lumOff val="25000"/>
-          </a:schemeClr>
-        </a:solidFill>
-        <a:round/>
-      </a:ln>
-    </cs:spPr>
-  </cs:hiLoLine>
-  <cs:leaderLine>
-    <cs:lnRef idx="0"/>
-    <cs:fillRef idx="0"/>
-    <cs:effectRef idx="0"/>
-    <cs:fontRef idx="minor">
-      <a:schemeClr val="tx1"/>
-    </cs:fontRef>
-    <cs:spPr>
-      <a:ln w="9525" cap="flat" cmpd="sng" algn="ctr">
-        <a:solidFill>
-          <a:schemeClr val="tx1">
-            <a:lumMod val="35000"/>
-            <a:lumOff val="65000"/>
-          </a:schemeClr>
-        </a:solidFill>
-        <a:round/>
-      </a:ln>
-    </cs:spPr>
-  </cs:leaderLine>
-  <cs:legend>
-    <cs:lnRef idx="0"/>
-    <cs:fillRef idx="0"/>
-    <cs:effectRef idx="0"/>
-    <cs:fontRef idx="minor">
-      <a:schemeClr val="tx1">
-        <a:lumMod val="65000"/>
-        <a:lumOff val="35000"/>
-      </a:schemeClr>
-    </cs:fontRef>
-    <cs:defRPr sz="1197" kern="1200"/>
-  </cs:legend>
-  <cs:plotArea mods="allowNoFillOverride allowNoLineOverride">
-    <cs:lnRef idx="0"/>
-    <cs:fillRef idx="0"/>
-    <cs:effectRef idx="0"/>
-    <cs:fontRef idx="minor">
-      <a:schemeClr val="tx1"/>
-    </cs:fontRef>
-  </cs:plotArea>
-  <cs:plotArea3D mods="allowNoFillOverride allowNoLineOverride">
-    <cs:lnRef idx="0"/>
-    <cs:fillRef idx="0"/>
-    <cs:effectRef idx="0"/>
-    <cs:fontRef idx="minor">
-      <a:schemeClr val="tx1"/>
-    </cs:fontRef>
-  </cs:plotArea3D>
-  <cs:seriesAxis>
-    <cs:lnRef idx="0"/>
-    <cs:fillRef idx="0"/>
-    <cs:effectRef idx="0"/>
-    <cs:fontRef idx="minor">
-      <a:schemeClr val="tx1">
-        <a:lumMod val="65000"/>
-        <a:lumOff val="35000"/>
-      </a:schemeClr>
-    </cs:fontRef>
-    <cs:defRPr sz="1197" kern="1200"/>
-  </cs:seriesAxis>
-  <cs:seriesLine>
-    <cs:lnRef idx="0"/>
-    <cs:fillRef idx="0"/>
-    <cs:effectRef idx="0"/>
-    <cs:fontRef idx="minor">
-      <a:schemeClr val="tx1"/>
-    </cs:fontRef>
-    <cs:spPr>
-      <a:ln w="9525" cap="flat" cmpd="sng" algn="ctr">
-        <a:solidFill>
-          <a:schemeClr val="tx1">
-            <a:lumMod val="35000"/>
-            <a:lumOff val="65000"/>
-          </a:schemeClr>
-        </a:solidFill>
-        <a:round/>
-      </a:ln>
-    </cs:spPr>
-  </cs:seriesLine>
-  <cs:title>
-    <cs:lnRef idx="0"/>
-    <cs:fillRef idx="0"/>
-    <cs:effectRef idx="0"/>
-    <cs:fontRef idx="minor">
-      <a:schemeClr val="tx1">
-        <a:lumMod val="65000"/>
-        <a:lumOff val="35000"/>
-      </a:schemeClr>
-    </cs:fontRef>
-    <cs:defRPr sz="1862" b="0" kern="1200" spc="0" baseline="0"/>
-  </cs:title>
-  <cs:trendline>
-    <cs:lnRef idx="0">
-      <cs:styleClr val="auto"/>
-    </cs:lnRef>
-    <cs:fillRef idx="0"/>
-    <cs:effectRef idx="0"/>
-    <cs:fontRef idx="minor">
-      <a:schemeClr val="tx1"/>
-    </cs:fontRef>
-    <cs:spPr>
-      <a:ln w="19050" cap="rnd">
-        <a:solidFill>
-          <a:schemeClr val="phClr"/>
-        </a:solidFill>
-        <a:prstDash val="sysDot"/>
-      </a:ln>
-    </cs:spPr>
-  </cs:trendline>
-  <cs:trendlineLabel>
-    <cs:lnRef idx="0"/>
-    <cs:fillRef idx="0"/>
-    <cs:effectRef idx="0"/>
-    <cs:fontRef idx="minor">
-      <a:schemeClr val="tx1">
-        <a:lumMod val="65000"/>
-        <a:lumOff val="35000"/>
-      </a:schemeClr>
-    </cs:fontRef>
-    <cs:defRPr sz="1197" kern="1200"/>
-  </cs:trendlineLabel>
-  <cs:upBar>
-    <cs:lnRef idx="0"/>
-    <cs:fillRef idx="0"/>
-    <cs:effectRef idx="0"/>
-    <cs:fontRef idx="minor">
-      <a:schemeClr val="dk1"/>
-    </cs:fontRef>
-    <cs:spPr>
-      <a:solidFill>
-        <a:schemeClr val="lt1"/>
-      </a:solidFill>
-      <a:ln w="9525">
-        <a:solidFill>
-          <a:schemeClr val="tx1">
-            <a:lumMod val="15000"/>
-            <a:lumOff val="85000"/>
-          </a:schemeClr>
-        </a:solidFill>
-      </a:ln>
-    </cs:spPr>
-  </cs:upBar>
-  <cs:valueAxis>
-    <cs:lnRef idx="0"/>
-    <cs:fillRef idx="0"/>
-    <cs:effectRef idx="0"/>
-    <cs:fontRef idx="minor">
-      <a:schemeClr val="tx1">
-        <a:lumMod val="65000"/>
-        <a:lumOff val="35000"/>
-      </a:schemeClr>
-    </cs:fontRef>
-    <cs:defRPr sz="1197" kern="1200"/>
-  </cs:valueAxis>
-  <cs:wall>
-    <cs:lnRef idx="0"/>
-    <cs:fillRef idx="0"/>
-    <cs:effectRef idx="0"/>
-    <cs:fontRef idx="minor">
-      <a:schemeClr val="tx1"/>
-    </cs:fontRef>
-    <cs:spPr>
-      <a:noFill/>
-      <a:ln>
-        <a:noFill/>
-      </a:ln>
-    </cs:spPr>
-  </cs:wall>
-</cs:chartStyle>
-</file>
-
-<file path=ppt/charts/style2.xml><?xml version="1.0" encoding="utf-8"?>
-<cs:chartStyle xmlns:cs="http://schemas.microsoft.com/office/drawing/2012/chartStyle" xmlns:a="http://schemas.openxmlformats.org/drawingml/2006/main" id="201">
-  <cs:axisTitle>
-    <cs:lnRef idx="0"/>
-    <cs:fillRef idx="0"/>
-    <cs:effectRef idx="0"/>
-    <cs:fontRef idx="minor">
-      <a:schemeClr val="tx1">
-        <a:lumMod val="65000"/>
-        <a:lumOff val="35000"/>
-      </a:schemeClr>
-    </cs:fontRef>
-    <cs:defRPr sz="1330" kern="1200"/>
-  </cs:axisTitle>
-  <cs:categoryAxis>
-    <cs:lnRef idx="0"/>
-    <cs:fillRef idx="0"/>
-    <cs:effectRef idx="0"/>
-    <cs:fontRef idx="minor">
-      <a:schemeClr val="tx1">
-        <a:lumMod val="65000"/>
-        <a:lumOff val="35000"/>
-      </a:schemeClr>
-    </cs:fontRef>
-    <cs:spPr>
-      <a:ln w="9525" cap="flat" cmpd="sng" algn="ctr">
-        <a:solidFill>
-          <a:schemeClr val="tx1">
-            <a:lumMod val="15000"/>
-            <a:lumOff val="85000"/>
-          </a:schemeClr>
-        </a:solidFill>
-        <a:round/>
-      </a:ln>
-    </cs:spPr>
-    <cs:defRPr sz="1197" kern="1200"/>
-  </cs:categoryAxis>
-  <cs:chartArea mods="allowNoFillOverride allowNoLineOverride">
-    <cs:lnRef idx="0"/>
-    <cs:fillRef idx="0"/>
-    <cs:effectRef idx="0"/>
-    <cs:fontRef idx="minor">
-      <a:schemeClr val="tx1"/>
-    </cs:fontRef>
-    <cs:spPr>
-      <a:solidFill>
-        <a:schemeClr val="bg1"/>
-      </a:solidFill>
-      <a:ln w="9525" cap="flat" cmpd="sng" algn="ctr">
-        <a:solidFill>
-          <a:schemeClr val="tx1">
-            <a:lumMod val="15000"/>
-            <a:lumOff val="85000"/>
-          </a:schemeClr>
-        </a:solidFill>
-        <a:round/>
-      </a:ln>
-    </cs:spPr>
-    <cs:defRPr sz="1330" kern="1200"/>
-  </cs:chartArea>
-  <cs:dataLabel>
-    <cs:lnRef idx="0"/>
-    <cs:fillRef idx="0"/>
-    <cs:effectRef idx="0"/>
-    <cs:fontRef idx="minor">
-      <a:schemeClr val="tx1">
-        <a:lumMod val="75000"/>
-        <a:lumOff val="25000"/>
-      </a:schemeClr>
-    </cs:fontRef>
-    <cs:defRPr sz="1197" kern="1200"/>
-  </cs:dataLabel>
-  <cs:dataLabelCallout>
-    <cs:lnRef idx="0"/>
-    <cs:fillRef idx="0"/>
-    <cs:effectRef idx="0"/>
-    <cs:fontRef idx="minor">
-      <a:schemeClr val="dk1">
-        <a:lumMod val="65000"/>
-        <a:lumOff val="35000"/>
-      </a:schemeClr>
-    </cs:fontRef>
-    <cs:spPr>
-      <a:solidFill>
-        <a:schemeClr val="lt1"/>
-      </a:solidFill>
-      <a:ln>
-        <a:solidFill>
-          <a:schemeClr val="dk1">
-            <a:lumMod val="25000"/>
-            <a:lumOff val="75000"/>
-          </a:schemeClr>
-        </a:solidFill>
-      </a:ln>
-    </cs:spPr>
-    <cs:defRPr sz="1197" kern="1200"/>
-    <cs:bodyPr rot="0" spcFirstLastPara="1" vertOverflow="clip" horzOverflow="clip" vert="horz" wrap="square" lIns="36576" tIns="18288" rIns="36576" bIns="18288" anchor="ctr" anchorCtr="1">
-      <a:spAutoFit/>
-    </cs:bodyPr>
-  </cs:dataLabelCallout>
-  <cs:dataPoint>
-    <cs:lnRef idx="0"/>
-    <cs:fillRef idx="1">
-      <cs:styleClr val="auto"/>
-    </cs:fillRef>
-    <cs:effectRef idx="0"/>
-    <cs:fontRef idx="minor">
-      <a:schemeClr val="tx1"/>
-    </cs:fontRef>
-  </cs:dataPoint>
-  <cs:dataPoint3D>
-    <cs:lnRef idx="0"/>
-    <cs:fillRef idx="1">
-      <cs:styleClr val="auto"/>
-    </cs:fillRef>
-    <cs:effectRef idx="0"/>
-    <cs:fontRef idx="minor">
-      <a:schemeClr val="tx1"/>
-    </cs:fontRef>
-  </cs:dataPoint3D>
-  <cs:dataPointLine>
-    <cs:lnRef idx="0">
-      <cs:styleClr val="auto"/>
-    </cs:lnRef>
-    <cs:fillRef idx="1"/>
-    <cs:effectRef idx="0"/>
-    <cs:fontRef idx="minor">
-      <a:schemeClr val="tx1"/>
-    </cs:fontRef>
-    <cs:spPr>
-      <a:ln w="28575" cap="rnd">
-        <a:solidFill>
-          <a:schemeClr val="phClr"/>
-        </a:solidFill>
-        <a:round/>
-      </a:ln>
-    </cs:spPr>
-  </cs:dataPointLine>
-  <cs:dataPointMarker>
-    <cs:lnRef idx="0">
-      <cs:styleClr val="auto"/>
-    </cs:lnRef>
-    <cs:fillRef idx="1">
-      <cs:styleClr val="auto"/>
-    </cs:fillRef>
-    <cs:effectRef idx="0"/>
-    <cs:fontRef idx="minor">
-      <a:schemeClr val="tx1"/>
-    </cs:fontRef>
-    <cs:spPr>
-      <a:ln w="9525">
-        <a:solidFill>
-          <a:schemeClr val="phClr"/>
-        </a:solidFill>
-      </a:ln>
-    </cs:spPr>
-  </cs:dataPointMarker>
-  <cs:dataPointMarkerLayout symbol="circle" size="5"/>
-  <cs:dataPointWireframe>
-    <cs:lnRef idx="0">
-      <cs:styleClr val="auto"/>
-    </cs:lnRef>
-    <cs:fillRef idx="1"/>
-    <cs:effectRef idx="0"/>
-    <cs:fontRef idx="minor">
-      <a:schemeClr val="tx1"/>
-    </cs:fontRef>
-    <cs:spPr>
-      <a:ln w="9525" cap="rnd">
-        <a:solidFill>
-          <a:schemeClr val="phClr"/>
-        </a:solidFill>
-        <a:round/>
-      </a:ln>
-    </cs:spPr>
-  </cs:dataPointWireframe>
-  <cs:dataTable>
-    <cs:lnRef idx="0"/>
-    <cs:fillRef idx="0"/>
-    <cs:effectRef idx="0"/>
-    <cs:fontRef idx="minor">
-      <a:schemeClr val="tx1">
-        <a:lumMod val="65000"/>
-        <a:lumOff val="35000"/>
-      </a:schemeClr>
-    </cs:fontRef>
-    <cs:spPr>
-      <a:noFill/>
-      <a:ln w="9525" cap="flat" cmpd="sng" algn="ctr">
-        <a:solidFill>
-          <a:schemeClr val="tx1">
-            <a:lumMod val="15000"/>
-            <a:lumOff val="85000"/>
-          </a:schemeClr>
-        </a:solidFill>
-        <a:round/>
-      </a:ln>
-    </cs:spPr>
-    <cs:defRPr sz="1197" kern="1200"/>
-  </cs:dataTable>
-  <cs:downBar>
-    <cs:lnRef idx="0"/>
-    <cs:fillRef idx="0"/>
-    <cs:effectRef idx="0"/>
-    <cs:fontRef idx="minor">
-      <a:schemeClr val="dk1"/>
-    </cs:fontRef>
-    <cs:spPr>
-      <a:solidFill>
-        <a:schemeClr val="dk1">
-          <a:lumMod val="65000"/>
-          <a:lumOff val="35000"/>
-        </a:schemeClr>
-      </a:solidFill>
-      <a:ln w="9525">
-        <a:solidFill>
-          <a:schemeClr val="tx1">
-            <a:lumMod val="65000"/>
-            <a:lumOff val="35000"/>
-          </a:schemeClr>
-        </a:solidFill>
-      </a:ln>
-    </cs:spPr>
-  </cs:downBar>
-  <cs:dropLine>
-    <cs:lnRef idx="0"/>
-    <cs:fillRef idx="0"/>
-    <cs:effectRef idx="0"/>
-    <cs:fontRef idx="minor">
-      <a:schemeClr val="tx1"/>
-    </cs:fontRef>
-    <cs:spPr>
-      <a:ln w="9525" cap="flat" cmpd="sng" algn="ctr">
-        <a:solidFill>
-          <a:schemeClr val="tx1">
-            <a:lumMod val="35000"/>
-            <a:lumOff val="65000"/>
-          </a:schemeClr>
-        </a:solidFill>
-        <a:round/>
-      </a:ln>
-    </cs:spPr>
-  </cs:dropLine>
-  <cs:errorBar>
-    <cs:lnRef idx="0"/>
-    <cs:fillRef idx="0"/>
-    <cs:effectRef idx="0"/>
-    <cs:fontRef idx="minor">
-      <a:schemeClr val="tx1"/>
-    </cs:fontRef>
-    <cs:spPr>
-      <a:ln w="9525" cap="flat" cmpd="sng" algn="ctr">
-        <a:solidFill>
-          <a:schemeClr val="tx1">
-            <a:lumMod val="65000"/>
-            <a:lumOff val="35000"/>
-          </a:schemeClr>
-        </a:solidFill>
-        <a:round/>
-      </a:ln>
-    </cs:spPr>
-  </cs:errorBar>
-  <cs:floor>
-    <cs:lnRef idx="0"/>
-    <cs:fillRef idx="0"/>
-    <cs:effectRef idx="0"/>
-    <cs:fontRef idx="minor">
-      <a:schemeClr val="tx1"/>
-    </cs:fontRef>
-    <cs:spPr>
-      <a:noFill/>
-      <a:ln>
-        <a:noFill/>
-      </a:ln>
-    </cs:spPr>
-  </cs:floor>
-  <cs:gridlineMajor>
-    <cs:lnRef idx="0"/>
-    <cs:fillRef idx="0"/>
-    <cs:effectRef idx="0"/>
-    <cs:fontRef idx="minor">
-      <a:schemeClr val="tx1"/>
-    </cs:fontRef>
-    <cs:spPr>
-      <a:ln w="9525" cap="flat" cmpd="sng" algn="ctr">
-        <a:solidFill>
-          <a:schemeClr val="tx1">
-            <a:lumMod val="15000"/>
-            <a:lumOff val="85000"/>
-          </a:schemeClr>
-        </a:solidFill>
-        <a:round/>
-      </a:ln>
-    </cs:spPr>
-  </cs:gridlineMajor>
-  <cs:gridlineMinor>
-    <cs:lnRef idx="0"/>
-    <cs:fillRef idx="0"/>
-    <cs:effectRef idx="0"/>
-    <cs:fontRef idx="minor">
-      <a:schemeClr val="tx1"/>
-    </cs:fontRef>
-    <cs:spPr>
-      <a:ln w="9525" cap="flat" cmpd="sng" algn="ctr">
-        <a:solidFill>
-          <a:schemeClr val="tx1">
-            <a:lumMod val="5000"/>
-            <a:lumOff val="95000"/>
-          </a:schemeClr>
-        </a:solidFill>
-        <a:round/>
-      </a:ln>
-    </cs:spPr>
-  </cs:gridlineMinor>
-  <cs:hiLoLine>
-    <cs:lnRef idx="0"/>
-    <cs:fillRef idx="0"/>
-    <cs:effectRef idx="0"/>
-    <cs:fontRef idx="minor">
-      <a:schemeClr val="tx1"/>
-    </cs:fontRef>
-    <cs:spPr>
-      <a:ln w="9525" cap="flat" cmpd="sng" algn="ctr">
-        <a:solidFill>
-          <a:schemeClr val="tx1">
-            <a:lumMod val="75000"/>
-            <a:lumOff val="25000"/>
-          </a:schemeClr>
-        </a:solidFill>
-        <a:round/>
-      </a:ln>
-    </cs:spPr>
-  </cs:hiLoLine>
-  <cs:leaderLine>
-    <cs:lnRef idx="0"/>
-    <cs:fillRef idx="0"/>
-    <cs:effectRef idx="0"/>
-    <cs:fontRef idx="minor">
-      <a:schemeClr val="tx1"/>
-    </cs:fontRef>
-    <cs:spPr>
-      <a:ln w="9525" cap="flat" cmpd="sng" algn="ctr">
-        <a:solidFill>
-          <a:schemeClr val="tx1">
-            <a:lumMod val="35000"/>
-            <a:lumOff val="65000"/>
-          </a:schemeClr>
-        </a:solidFill>
-        <a:round/>
-      </a:ln>
-    </cs:spPr>
-  </cs:leaderLine>
-  <cs:legend>
-    <cs:lnRef idx="0"/>
-    <cs:fillRef idx="0"/>
-    <cs:effectRef idx="0"/>
-    <cs:fontRef idx="minor">
-      <a:schemeClr val="tx1">
-        <a:lumMod val="65000"/>
-        <a:lumOff val="35000"/>
-      </a:schemeClr>
-    </cs:fontRef>
-    <cs:defRPr sz="1197" kern="1200"/>
-  </cs:legend>
-  <cs:plotArea mods="allowNoFillOverride allowNoLineOverride">
-    <cs:lnRef idx="0"/>
-    <cs:fillRef idx="0"/>
-    <cs:effectRef idx="0"/>
-    <cs:fontRef idx="minor">
-      <a:schemeClr val="tx1"/>
-    </cs:fontRef>
-  </cs:plotArea>
-  <cs:plotArea3D mods="allowNoFillOverride allowNoLineOverride">
-    <cs:lnRef idx="0"/>
-    <cs:fillRef idx="0"/>
-    <cs:effectRef idx="0"/>
-    <cs:fontRef idx="minor">
-      <a:schemeClr val="tx1"/>
-    </cs:fontRef>
-  </cs:plotArea3D>
-  <cs:seriesAxis>
-    <cs:lnRef idx="0"/>
-    <cs:fillRef idx="0"/>
-    <cs:effectRef idx="0"/>
-    <cs:fontRef idx="minor">
-      <a:schemeClr val="tx1">
-        <a:lumMod val="65000"/>
-        <a:lumOff val="35000"/>
-      </a:schemeClr>
-    </cs:fontRef>
-    <cs:defRPr sz="1197" kern="1200"/>
-  </cs:seriesAxis>
-  <cs:seriesLine>
-    <cs:lnRef idx="0"/>
-    <cs:fillRef idx="0"/>
-    <cs:effectRef idx="0"/>
-    <cs:fontRef idx="minor">
-      <a:schemeClr val="tx1"/>
-    </cs:fontRef>
-    <cs:spPr>
-      <a:ln w="9525" cap="flat" cmpd="sng" algn="ctr">
-        <a:solidFill>
-          <a:schemeClr val="tx1">
-            <a:lumMod val="35000"/>
-            <a:lumOff val="65000"/>
-          </a:schemeClr>
-        </a:solidFill>
-        <a:round/>
-      </a:ln>
-    </cs:spPr>
-  </cs:seriesLine>
-  <cs:title>
-    <cs:lnRef idx="0"/>
-    <cs:fillRef idx="0"/>
-    <cs:effectRef idx="0"/>
-    <cs:fontRef idx="minor">
-      <a:schemeClr val="tx1">
-        <a:lumMod val="65000"/>
-        <a:lumOff val="35000"/>
-      </a:schemeClr>
-    </cs:fontRef>
-    <cs:defRPr sz="1862" b="0" kern="1200" spc="0" baseline="0"/>
-  </cs:title>
-  <cs:trendline>
-    <cs:lnRef idx="0">
-      <cs:styleClr val="auto"/>
-    </cs:lnRef>
-    <cs:fillRef idx="0"/>
-    <cs:effectRef idx="0"/>
-    <cs:fontRef idx="minor">
-      <a:schemeClr val="tx1"/>
-    </cs:fontRef>
-    <cs:spPr>
-      <a:ln w="19050" cap="rnd">
-        <a:solidFill>
-          <a:schemeClr val="phClr"/>
-        </a:solidFill>
-        <a:prstDash val="sysDot"/>
-      </a:ln>
-    </cs:spPr>
-  </cs:trendline>
-  <cs:trendlineLabel>
-    <cs:lnRef idx="0"/>
-    <cs:fillRef idx="0"/>
-    <cs:effectRef idx="0"/>
-    <cs:fontRef idx="minor">
-      <a:schemeClr val="tx1">
-        <a:lumMod val="65000"/>
-        <a:lumOff val="35000"/>
-      </a:schemeClr>
-    </cs:fontRef>
-    <cs:defRPr sz="1197" kern="1200"/>
-  </cs:trendlineLabel>
-  <cs:upBar>
-    <cs:lnRef idx="0"/>
-    <cs:fillRef idx="0"/>
-    <cs:effectRef idx="0"/>
-    <cs:fontRef idx="minor">
-      <a:schemeClr val="dk1"/>
-    </cs:fontRef>
-    <cs:spPr>
-      <a:solidFill>
-        <a:schemeClr val="lt1"/>
-      </a:solidFill>
-      <a:ln w="9525">
-        <a:solidFill>
-          <a:schemeClr val="tx1">
-            <a:lumMod val="15000"/>
-            <a:lumOff val="85000"/>
-          </a:schemeClr>
-        </a:solidFill>
-      </a:ln>
-    </cs:spPr>
-  </cs:upBar>
-  <cs:valueAxis>
-    <cs:lnRef idx="0"/>
-    <cs:fillRef idx="0"/>
-    <cs:effectRef idx="0"/>
-    <cs:fontRef idx="minor">
-      <a:schemeClr val="tx1">
-        <a:lumMod val="65000"/>
-        <a:lumOff val="35000"/>
-      </a:schemeClr>
-    </cs:fontRef>
-    <cs:defRPr sz="1197" kern="1200"/>
-  </cs:valueAxis>
-  <cs:wall>
-    <cs:lnRef idx="0"/>
-    <cs:fillRef idx="0"/>
-    <cs:effectRef idx="0"/>
-    <cs:fontRef idx="minor">
-      <a:schemeClr val="tx1"/>
-    </cs:fontRef>
-    <cs:spPr>
-      <a:noFill/>
-      <a:ln>
-        <a:noFill/>
-      </a:ln>
-    </cs:spPr>
-  </cs:wall>
-</cs:chartStyle>
-</file>
-
-<file path=ppt/charts/style3.xml><?xml version="1.0" encoding="utf-8"?>
-<cs:chartStyle xmlns:cs="http://schemas.microsoft.com/office/drawing/2012/chartStyle" xmlns:a="http://schemas.openxmlformats.org/drawingml/2006/main" id="201">
-  <cs:axisTitle>
-    <cs:lnRef idx="0"/>
-    <cs:fillRef idx="0"/>
-    <cs:effectRef idx="0"/>
-    <cs:fontRef idx="minor">
-      <a:schemeClr val="tx1">
-        <a:lumMod val="65000"/>
-        <a:lumOff val="35000"/>
-      </a:schemeClr>
-    </cs:fontRef>
-    <cs:defRPr sz="1330" kern="1200"/>
-  </cs:axisTitle>
-  <cs:categoryAxis>
-    <cs:lnRef idx="0"/>
-    <cs:fillRef idx="0"/>
-    <cs:effectRef idx="0"/>
-    <cs:fontRef idx="minor">
-      <a:schemeClr val="tx1">
-        <a:lumMod val="65000"/>
-        <a:lumOff val="35000"/>
-      </a:schemeClr>
-    </cs:fontRef>
-    <cs:spPr>
-      <a:ln w="9525" cap="flat" cmpd="sng" algn="ctr">
-        <a:solidFill>
-          <a:schemeClr val="tx1">
-            <a:lumMod val="15000"/>
-            <a:lumOff val="85000"/>
-          </a:schemeClr>
-        </a:solidFill>
-        <a:round/>
-      </a:ln>
-    </cs:spPr>
-    <cs:defRPr sz="1197" kern="1200"/>
-  </cs:categoryAxis>
-  <cs:chartArea mods="allowNoFillOverride allowNoLineOverride">
-    <cs:lnRef idx="0"/>
-    <cs:fillRef idx="0"/>
-    <cs:effectRef idx="0"/>
-    <cs:fontRef idx="minor">
-      <a:schemeClr val="tx1"/>
-    </cs:fontRef>
-    <cs:spPr>
-      <a:solidFill>
-        <a:schemeClr val="bg1"/>
-      </a:solidFill>
-      <a:ln w="9525" cap="flat" cmpd="sng" algn="ctr">
-        <a:solidFill>
-          <a:schemeClr val="tx1">
-            <a:lumMod val="15000"/>
-            <a:lumOff val="85000"/>
-          </a:schemeClr>
-        </a:solidFill>
-        <a:round/>
-      </a:ln>
-    </cs:spPr>
-    <cs:defRPr sz="1330" kern="1200"/>
-  </cs:chartArea>
-  <cs:dataLabel>
-    <cs:lnRef idx="0"/>
-    <cs:fillRef idx="0"/>
-    <cs:effectRef idx="0"/>
-    <cs:fontRef idx="minor">
-      <a:schemeClr val="tx1">
-        <a:lumMod val="75000"/>
-        <a:lumOff val="25000"/>
-      </a:schemeClr>
-    </cs:fontRef>
-    <cs:defRPr sz="1197" kern="1200"/>
-  </cs:dataLabel>
-  <cs:dataLabelCallout>
-    <cs:lnRef idx="0"/>
-    <cs:fillRef idx="0"/>
-    <cs:effectRef idx="0"/>
-    <cs:fontRef idx="minor">
-      <a:schemeClr val="dk1">
-        <a:lumMod val="65000"/>
-        <a:lumOff val="35000"/>
-      </a:schemeClr>
-    </cs:fontRef>
-    <cs:spPr>
-      <a:solidFill>
-        <a:schemeClr val="lt1"/>
-      </a:solidFill>
-      <a:ln>
-        <a:solidFill>
-          <a:schemeClr val="dk1">
-            <a:lumMod val="25000"/>
-            <a:lumOff val="75000"/>
-          </a:schemeClr>
-        </a:solidFill>
-      </a:ln>
-    </cs:spPr>
-    <cs:defRPr sz="1197" kern="1200"/>
-    <cs:bodyPr rot="0" spcFirstLastPara="1" vertOverflow="clip" horzOverflow="clip" vert="horz" wrap="square" lIns="36576" tIns="18288" rIns="36576" bIns="18288" anchor="ctr" anchorCtr="1">
-      <a:spAutoFit/>
-    </cs:bodyPr>
-  </cs:dataLabelCallout>
-  <cs:dataPoint>
-    <cs:lnRef idx="0"/>
-    <cs:fillRef idx="1">
-      <cs:styleClr val="auto"/>
-    </cs:fillRef>
-    <cs:effectRef idx="0"/>
-    <cs:fontRef idx="minor">
-      <a:schemeClr val="tx1"/>
-    </cs:fontRef>
-  </cs:dataPoint>
-  <cs:dataPoint3D>
-    <cs:lnRef idx="0"/>
-    <cs:fillRef idx="1">
-      <cs:styleClr val="auto"/>
-    </cs:fillRef>
-    <cs:effectRef idx="0"/>
-    <cs:fontRef idx="minor">
-      <a:schemeClr val="tx1"/>
-    </cs:fontRef>
-  </cs:dataPoint3D>
-  <cs:dataPointLine>
-    <cs:lnRef idx="0">
-      <cs:styleClr val="auto"/>
-    </cs:lnRef>
-    <cs:fillRef idx="1"/>
-    <cs:effectRef idx="0"/>
-    <cs:fontRef idx="minor">
-      <a:schemeClr val="tx1"/>
-    </cs:fontRef>
-    <cs:spPr>
-      <a:ln w="28575" cap="rnd">
-        <a:solidFill>
-          <a:schemeClr val="phClr"/>
-        </a:solidFill>
-        <a:round/>
-      </a:ln>
-    </cs:spPr>
-  </cs:dataPointLine>
-  <cs:dataPointMarker>
-    <cs:lnRef idx="0">
-      <cs:styleClr val="auto"/>
-    </cs:lnRef>
-    <cs:fillRef idx="1">
-      <cs:styleClr val="auto"/>
-    </cs:fillRef>
-    <cs:effectRef idx="0"/>
-    <cs:fontRef idx="minor">
-      <a:schemeClr val="tx1"/>
-    </cs:fontRef>
-    <cs:spPr>
-      <a:ln w="9525">
-        <a:solidFill>
-          <a:schemeClr val="phClr"/>
-        </a:solidFill>
-      </a:ln>
-    </cs:spPr>
-  </cs:dataPointMarker>
-  <cs:dataPointMarkerLayout symbol="circle" size="5"/>
-  <cs:dataPointWireframe>
-    <cs:lnRef idx="0">
-      <cs:styleClr val="auto"/>
-    </cs:lnRef>
-    <cs:fillRef idx="1"/>
-    <cs:effectRef idx="0"/>
-    <cs:fontRef idx="minor">
-      <a:schemeClr val="tx1"/>
-    </cs:fontRef>
-    <cs:spPr>
-      <a:ln w="9525" cap="rnd">
-        <a:solidFill>
-          <a:schemeClr val="phClr"/>
-        </a:solidFill>
-        <a:round/>
-      </a:ln>
-    </cs:spPr>
-  </cs:dataPointWireframe>
-  <cs:dataTable>
-    <cs:lnRef idx="0"/>
-    <cs:fillRef idx="0"/>
-    <cs:effectRef idx="0"/>
-    <cs:fontRef idx="minor">
-      <a:schemeClr val="tx1">
-        <a:lumMod val="65000"/>
-        <a:lumOff val="35000"/>
-      </a:schemeClr>
-    </cs:fontRef>
-    <cs:spPr>
-      <a:noFill/>
-      <a:ln w="9525" cap="flat" cmpd="sng" algn="ctr">
-        <a:solidFill>
-          <a:schemeClr val="tx1">
-            <a:lumMod val="15000"/>
-            <a:lumOff val="85000"/>
-          </a:schemeClr>
-        </a:solidFill>
-        <a:round/>
-      </a:ln>
-    </cs:spPr>
-    <cs:defRPr sz="1197" kern="1200"/>
-  </cs:dataTable>
-  <cs:downBar>
-    <cs:lnRef idx="0"/>
-    <cs:fillRef idx="0"/>
-    <cs:effectRef idx="0"/>
-    <cs:fontRef idx="minor">
-      <a:schemeClr val="dk1"/>
-    </cs:fontRef>
-    <cs:spPr>
-      <a:solidFill>
-        <a:schemeClr val="dk1">
-          <a:lumMod val="65000"/>
-          <a:lumOff val="35000"/>
-        </a:schemeClr>
-      </a:solidFill>
-      <a:ln w="9525">
-        <a:solidFill>
-          <a:schemeClr val="tx1">
-            <a:lumMod val="65000"/>
-            <a:lumOff val="35000"/>
-          </a:schemeClr>
-        </a:solidFill>
-      </a:ln>
-    </cs:spPr>
-  </cs:downBar>
-  <cs:dropLine>
-    <cs:lnRef idx="0"/>
-    <cs:fillRef idx="0"/>
-    <cs:effectRef idx="0"/>
-    <cs:fontRef idx="minor">
-      <a:schemeClr val="tx1"/>
-    </cs:fontRef>
-    <cs:spPr>
-      <a:ln w="9525" cap="flat" cmpd="sng" algn="ctr">
-        <a:solidFill>
-          <a:schemeClr val="tx1">
-            <a:lumMod val="35000"/>
-            <a:lumOff val="65000"/>
-          </a:schemeClr>
-        </a:solidFill>
-        <a:round/>
-      </a:ln>
-    </cs:spPr>
-  </cs:dropLine>
-  <cs:errorBar>
-    <cs:lnRef idx="0"/>
-    <cs:fillRef idx="0"/>
-    <cs:effectRef idx="0"/>
-    <cs:fontRef idx="minor">
-      <a:schemeClr val="tx1"/>
-    </cs:fontRef>
-    <cs:spPr>
-      <a:ln w="9525" cap="flat" cmpd="sng" algn="ctr">
-        <a:solidFill>
-          <a:schemeClr val="tx1">
-            <a:lumMod val="65000"/>
-            <a:lumOff val="35000"/>
-          </a:schemeClr>
-        </a:solidFill>
-        <a:round/>
-      </a:ln>
-    </cs:spPr>
-  </cs:errorBar>
-  <cs:floor>
-    <cs:lnRef idx="0"/>
-    <cs:fillRef idx="0"/>
-    <cs:effectRef idx="0"/>
-    <cs:fontRef idx="minor">
-      <a:schemeClr val="tx1"/>
-    </cs:fontRef>
-    <cs:spPr>
-      <a:noFill/>
-      <a:ln>
-        <a:noFill/>
-      </a:ln>
-    </cs:spPr>
-  </cs:floor>
-  <cs:gridlineMajor>
-    <cs:lnRef idx="0"/>
-    <cs:fillRef idx="0"/>
-    <cs:effectRef idx="0"/>
-    <cs:fontRef idx="minor">
-      <a:schemeClr val="tx1"/>
-    </cs:fontRef>
-    <cs:spPr>
-      <a:ln w="9525" cap="flat" cmpd="sng" algn="ctr">
-        <a:solidFill>
-          <a:schemeClr val="tx1">
-            <a:lumMod val="15000"/>
-            <a:lumOff val="85000"/>
-          </a:schemeClr>
-        </a:solidFill>
-        <a:round/>
-      </a:ln>
-    </cs:spPr>
-  </cs:gridlineMajor>
-  <cs:gridlineMinor>
-    <cs:lnRef idx="0"/>
-    <cs:fillRef idx="0"/>
-    <cs:effectRef idx="0"/>
-    <cs:fontRef idx="minor">
-      <a:schemeClr val="tx1"/>
-    </cs:fontRef>
-    <cs:spPr>
-      <a:ln w="9525" cap="flat" cmpd="sng" algn="ctr">
-        <a:solidFill>
-          <a:schemeClr val="tx1">
-            <a:lumMod val="5000"/>
-            <a:lumOff val="95000"/>
-          </a:schemeClr>
-        </a:solidFill>
-        <a:round/>
-      </a:ln>
-    </cs:spPr>
-  </cs:gridlineMinor>
-  <cs:hiLoLine>
-    <cs:lnRef idx="0"/>
-    <cs:fillRef idx="0"/>
-    <cs:effectRef idx="0"/>
-    <cs:fontRef idx="minor">
-      <a:schemeClr val="tx1"/>
-    </cs:fontRef>
-    <cs:spPr>
-      <a:ln w="9525" cap="flat" cmpd="sng" algn="ctr">
-        <a:solidFill>
-          <a:schemeClr val="tx1">
-            <a:lumMod val="75000"/>
-            <a:lumOff val="25000"/>
-          </a:schemeClr>
-        </a:solidFill>
-        <a:round/>
-      </a:ln>
-    </cs:spPr>
-  </cs:hiLoLine>
-  <cs:leaderLine>
-    <cs:lnRef idx="0"/>
-    <cs:fillRef idx="0"/>
-    <cs:effectRef idx="0"/>
-    <cs:fontRef idx="minor">
-      <a:schemeClr val="tx1"/>
-    </cs:fontRef>
-    <cs:spPr>
-      <a:ln w="9525" cap="flat" cmpd="sng" algn="ctr">
-        <a:solidFill>
-          <a:schemeClr val="tx1">
-            <a:lumMod val="35000"/>
-            <a:lumOff val="65000"/>
-          </a:schemeClr>
-        </a:solidFill>
-        <a:round/>
-      </a:ln>
-    </cs:spPr>
-  </cs:leaderLine>
-  <cs:legend>
-    <cs:lnRef idx="0"/>
-    <cs:fillRef idx="0"/>
-    <cs:effectRef idx="0"/>
-    <cs:fontRef idx="minor">
-      <a:schemeClr val="tx1">
-        <a:lumMod val="65000"/>
-        <a:lumOff val="35000"/>
-      </a:schemeClr>
-    </cs:fontRef>
-    <cs:defRPr sz="1197" kern="1200"/>
-  </cs:legend>
-  <cs:plotArea mods="allowNoFillOverride allowNoLineOverride">
-    <cs:lnRef idx="0"/>
-    <cs:fillRef idx="0"/>
-    <cs:effectRef idx="0"/>
-    <cs:fontRef idx="minor">
-      <a:schemeClr val="tx1"/>
-    </cs:fontRef>
-  </cs:plotArea>
-  <cs:plotArea3D mods="allowNoFillOverride allowNoLineOverride">
-    <cs:lnRef idx="0"/>
-    <cs:fillRef idx="0"/>
-    <cs:effectRef idx="0"/>
-    <cs:fontRef idx="minor">
-      <a:schemeClr val="tx1"/>
-    </cs:fontRef>
-  </cs:plotArea3D>
-  <cs:seriesAxis>
-    <cs:lnRef idx="0"/>
-    <cs:fillRef idx="0"/>
-    <cs:effectRef idx="0"/>
-    <cs:fontRef idx="minor">
-      <a:schemeClr val="tx1">
-        <a:lumMod val="65000"/>
-        <a:lumOff val="35000"/>
-      </a:schemeClr>
-    </cs:fontRef>
-    <cs:defRPr sz="1197" kern="1200"/>
-  </cs:seriesAxis>
-  <cs:seriesLine>
-    <cs:lnRef idx="0"/>
-    <cs:fillRef idx="0"/>
-    <cs:effectRef idx="0"/>
-    <cs:fontRef idx="minor">
-      <a:schemeClr val="tx1"/>
-    </cs:fontRef>
-    <cs:spPr>
-      <a:ln w="9525" cap="flat" cmpd="sng" algn="ctr">
-        <a:solidFill>
-          <a:schemeClr val="tx1">
-            <a:lumMod val="35000"/>
-            <a:lumOff val="65000"/>
-          </a:schemeClr>
-        </a:solidFill>
-        <a:round/>
-      </a:ln>
-    </cs:spPr>
-  </cs:seriesLine>
-  <cs:title>
-    <cs:lnRef idx="0"/>
-    <cs:fillRef idx="0"/>
-    <cs:effectRef idx="0"/>
-    <cs:fontRef idx="minor">
-      <a:schemeClr val="tx1">
-        <a:lumMod val="65000"/>
-        <a:lumOff val="35000"/>
-      </a:schemeClr>
-    </cs:fontRef>
-    <cs:defRPr sz="1862" b="0" kern="1200" spc="0" baseline="0"/>
-  </cs:title>
-  <cs:trendline>
-    <cs:lnRef idx="0">
-      <cs:styleClr val="auto"/>
-    </cs:lnRef>
-    <cs:fillRef idx="0"/>
-    <cs:effectRef idx="0"/>
-    <cs:fontRef idx="minor">
-      <a:schemeClr val="tx1"/>
-    </cs:fontRef>
-    <cs:spPr>
-      <a:ln w="19050" cap="rnd">
-        <a:solidFill>
-          <a:schemeClr val="phClr"/>
-        </a:solidFill>
-        <a:prstDash val="sysDot"/>
-      </a:ln>
-    </cs:spPr>
-  </cs:trendline>
-  <cs:trendlineLabel>
-    <cs:lnRef idx="0"/>
-    <cs:fillRef idx="0"/>
-    <cs:effectRef idx="0"/>
-    <cs:fontRef idx="minor">
-      <a:schemeClr val="tx1">
-        <a:lumMod val="65000"/>
-        <a:lumOff val="35000"/>
-      </a:schemeClr>
-    </cs:fontRef>
-    <cs:defRPr sz="1197" kern="1200"/>
-  </cs:trendlineLabel>
-  <cs:upBar>
-    <cs:lnRef idx="0"/>
-    <cs:fillRef idx="0"/>
-    <cs:effectRef idx="0"/>
-    <cs:fontRef idx="minor">
-      <a:schemeClr val="dk1"/>
-    </cs:fontRef>
-    <cs:spPr>
-      <a:solidFill>
-        <a:schemeClr val="lt1"/>
-      </a:solidFill>
-      <a:ln w="9525">
-        <a:solidFill>
-          <a:schemeClr val="tx1">
-            <a:lumMod val="15000"/>
-            <a:lumOff val="85000"/>
-          </a:schemeClr>
-        </a:solidFill>
-      </a:ln>
-    </cs:spPr>
-  </cs:upBar>
-  <cs:valueAxis>
-    <cs:lnRef idx="0"/>
-    <cs:fillRef idx="0"/>
-    <cs:effectRef idx="0"/>
-    <cs:fontRef idx="minor">
-      <a:schemeClr val="tx1">
-        <a:lumMod val="65000"/>
-        <a:lumOff val="35000"/>
-      </a:schemeClr>
-    </cs:fontRef>
-    <cs:defRPr sz="1197" kern="1200"/>
-  </cs:valueAxis>
-  <cs:wall>
-    <cs:lnRef idx="0"/>
-    <cs:fillRef idx="0"/>
-    <cs:effectRef idx="0"/>
-    <cs:fontRef idx="minor">
-      <a:schemeClr val="tx1"/>
-    </cs:fontRef>
-    <cs:spPr>
-      <a:noFill/>
-      <a:ln>
-        <a:noFill/>
-      </a:ln>
-    </cs:spPr>
-  </cs:wall>
-</cs:chartStyle>
 </file>
 
 <file path=ppt/handoutMasters/handoutMaster1.xml><?xml version="1.0" encoding="utf-8"?>
@@ -26169,42 +23289,67 @@
             </a:r>
           </a:p>
           <a:p>
+            <a:pPr marL="342900" indent="-342900">
+              <a:buFont typeface="+mj-lt"/>
+              <a:buAutoNum type="arabicPeriod"/>
+            </a:pPr>
             <a:r>
               <a:rPr lang="en-US" dirty="0"/>
               <a:t>Raw Data – Joins, Summarizing, etc..</a:t>
             </a:r>
           </a:p>
           <a:p>
+            <a:pPr marL="619125" lvl="1" indent="-342900"/>
+            <a:r>
+              <a:rPr lang="en-US" dirty="0"/>
+              <a:t>Business Context – Creating relationships for user</a:t>
+            </a:r>
+          </a:p>
+          <a:p>
+            <a:pPr marL="342900" indent="-342900">
+              <a:buFont typeface="+mj-lt"/>
+              <a:buAutoNum type="arabicPeriod"/>
+            </a:pPr>
             <a:r>
               <a:rPr lang="en-US" dirty="0"/>
               <a:t>Reporting Layer of Data - or Cleaned Data</a:t>
             </a:r>
           </a:p>
           <a:p>
-            <a:r>
-              <a:rPr lang="en-US" dirty="0"/>
-              <a:t>Business Context – Creating relationships for user</a:t>
-            </a:r>
-          </a:p>
-          <a:p>
+            <a:pPr marL="342900" indent="-342900">
+              <a:buFont typeface="+mj-lt"/>
+              <a:buAutoNum type="arabicPeriod"/>
+            </a:pPr>
             <a:r>
               <a:rPr lang="en-US" dirty="0"/>
               <a:t>Data Chunks – To be used to create charts or inform</a:t>
             </a:r>
           </a:p>
           <a:p>
+            <a:pPr marL="342900" indent="-342900">
+              <a:buFont typeface="+mj-lt"/>
+              <a:buAutoNum type="arabicPeriod"/>
+            </a:pPr>
             <a:r>
               <a:rPr lang="en-US" dirty="0"/>
               <a:t>Adding User control – Form Controls such as Drop down’s </a:t>
             </a:r>
           </a:p>
           <a:p>
+            <a:pPr marL="342900" indent="-342900">
+              <a:buFont typeface="+mj-lt"/>
+              <a:buAutoNum type="arabicPeriod"/>
+            </a:pPr>
             <a:r>
               <a:rPr lang="en-US" dirty="0"/>
               <a:t>Linking Form controls – Make charts dynamic</a:t>
             </a:r>
           </a:p>
           <a:p>
+            <a:pPr marL="342900" indent="-342900">
+              <a:buFont typeface="+mj-lt"/>
+              <a:buAutoNum type="arabicPeriod"/>
+            </a:pPr>
             <a:r>
               <a:rPr lang="en-US" dirty="0"/>
               <a:t>Placing Charts – As per Business context</a:t>
@@ -26694,12 +23839,37 @@
           <a:chExt cx="0" cy="0"/>
         </a:xfrm>
       </p:grpSpPr>
+      <p:pic>
+        <p:nvPicPr>
+          <p:cNvPr id="21" name="Picture Placeholder 20">
+            <a:extLst>
+              <a:ext uri="{FF2B5EF4-FFF2-40B4-BE49-F238E27FC236}">
+                <a16:creationId xmlns:a16="http://schemas.microsoft.com/office/drawing/2014/main" id="{BAE62A14-5C02-4E52-90DD-3EE19A941D6B}"/>
+              </a:ext>
+            </a:extLst>
+          </p:cNvPr>
+          <p:cNvPicPr>
+            <a:picLocks noGrp="1" noChangeAspect="1"/>
+          </p:cNvPicPr>
+          <p:nvPr>
+            <p:ph type="pic" sz="quarter" idx="14"/>
+          </p:nvPr>
+        </p:nvPicPr>
+        <p:blipFill>
+          <a:blip r:embed="rId2"/>
+          <a:srcRect l="12279" r="12279"/>
+          <a:stretch>
+            <a:fillRect/>
+          </a:stretch>
+        </p:blipFill>
+        <p:spPr/>
+      </p:pic>
       <p:sp>
         <p:nvSpPr>
-          <p:cNvPr id="2" name="Title 1">
+          <p:cNvPr id="16" name="Title 15">
             <a:extLst>
               <a:ext uri="{FF2B5EF4-FFF2-40B4-BE49-F238E27FC236}">
-                <a16:creationId xmlns:a16="http://schemas.microsoft.com/office/drawing/2014/main" id="{623FB4D5-DA14-4F29-9320-2DE0A6B571B9}"/>
+                <a16:creationId xmlns:a16="http://schemas.microsoft.com/office/drawing/2014/main" id="{95B38C80-2973-4207-BD2B-C7EA03F6B753}"/>
               </a:ext>
             </a:extLst>
           </p:cNvPr>
@@ -26716,18 +23886,18 @@
           <a:lstStyle/>
           <a:p>
             <a:r>
-              <a:rPr lang="en-US" dirty="0"/>
-              <a:t>Chart Options</a:t>
+              <a:rPr lang="en-IN" dirty="0"/>
+              <a:t>Business Context</a:t>
             </a:r>
           </a:p>
         </p:txBody>
       </p:sp>
       <p:sp>
         <p:nvSpPr>
-          <p:cNvPr id="3" name="Text Placeholder 2">
+          <p:cNvPr id="19" name="Text Placeholder 18">
             <a:extLst>
               <a:ext uri="{FF2B5EF4-FFF2-40B4-BE49-F238E27FC236}">
-                <a16:creationId xmlns:a16="http://schemas.microsoft.com/office/drawing/2014/main" id="{DE9D0F75-42B5-4960-8C3A-291285872DAF}"/>
+                <a16:creationId xmlns:a16="http://schemas.microsoft.com/office/drawing/2014/main" id="{6EA1221F-8085-4A06-9447-A7C7005B1EA0}"/>
               </a:ext>
             </a:extLst>
           </p:cNvPr>
@@ -26744,18 +23914,143 @@
           <a:lstStyle/>
           <a:p>
             <a:r>
-              <a:rPr lang="en-US" dirty="0"/>
-              <a:t>Lorem ipsum dolor sit amet, consectetur adipiscing elit. </a:t>
+              <a:rPr lang="en-IN" dirty="0"/>
+              <a:t>Dashboard to Measure Monthly performance</a:t>
             </a:r>
           </a:p>
         </p:txBody>
       </p:sp>
       <p:sp>
         <p:nvSpPr>
-          <p:cNvPr id="9" name="Slide Number Placeholder 8">
+          <p:cNvPr id="17" name="Content Placeholder 16">
             <a:extLst>
               <a:ext uri="{FF2B5EF4-FFF2-40B4-BE49-F238E27FC236}">
-                <a16:creationId xmlns:a16="http://schemas.microsoft.com/office/drawing/2014/main" id="{00A34EBD-7DEA-4599-A81B-0A363A0E17FC}"/>
+                <a16:creationId xmlns:a16="http://schemas.microsoft.com/office/drawing/2014/main" id="{70BF26A6-423C-412A-BAF3-C4433DD281F9}"/>
+              </a:ext>
+            </a:extLst>
+          </p:cNvPr>
+          <p:cNvSpPr>
+            <a:spLocks noGrp="1"/>
+          </p:cNvSpPr>
+          <p:nvPr>
+            <p:ph sz="half" idx="1"/>
+          </p:nvPr>
+        </p:nvSpPr>
+        <p:spPr/>
+        <p:txBody>
+          <a:bodyPr/>
+          <a:lstStyle/>
+          <a:p>
+            <a:r>
+              <a:rPr lang="en-IN" dirty="0"/>
+              <a:t>Show Sales performance based on Monthly Y/Y Comparison and Previous Month Comparison</a:t>
+            </a:r>
+          </a:p>
+          <a:p>
+            <a:pPr lvl="1"/>
+            <a:r>
+              <a:rPr lang="en-IN" dirty="0"/>
+              <a:t>Also, show Year to Date comparison </a:t>
+            </a:r>
+          </a:p>
+          <a:p>
+            <a:r>
+              <a:rPr lang="en-IN" dirty="0"/>
+              <a:t>Compare Sales between States of each region in the same time Range – Mapping provided</a:t>
+            </a:r>
+          </a:p>
+          <a:p>
+            <a:r>
+              <a:rPr lang="en-IN" dirty="0"/>
+              <a:t>Compare Products(Furnishings &amp; Public Areas) and other Product Categories</a:t>
+            </a:r>
+          </a:p>
+          <a:p>
+            <a:r>
+              <a:rPr lang="en-IN" dirty="0"/>
+              <a:t>Allow user to see information by overall and by Region specific view of the same numbers</a:t>
+            </a:r>
+          </a:p>
+          <a:p>
+            <a:r>
+              <a:rPr lang="en-IN" dirty="0"/>
+              <a:t>Allow user to go back on forth on the Month he wants to review. Also, ensure when new data comes in the same summary is automatically refreshed for the new month</a:t>
+            </a:r>
+          </a:p>
+          <a:p>
+            <a:endParaRPr lang="en-IN" dirty="0"/>
+          </a:p>
+          <a:p>
+            <a:endParaRPr lang="en-IN" dirty="0"/>
+          </a:p>
+        </p:txBody>
+      </p:sp>
+    </p:spTree>
+    <p:extLst>
+      <p:ext uri="{BB962C8B-B14F-4D97-AF65-F5344CB8AC3E}">
+        <p14:creationId xmlns:p14="http://schemas.microsoft.com/office/powerpoint/2010/main" val="2943564454"/>
+      </p:ext>
+    </p:extLst>
+  </p:cSld>
+  <p:clrMapOvr>
+    <a:masterClrMapping/>
+  </p:clrMapOvr>
+</p:sld>
+</file>
+
+<file path=ppt/slides/slide4.xml><?xml version="1.0" encoding="utf-8"?>
+<p:sld xmlns:a="http://schemas.openxmlformats.org/drawingml/2006/main" xmlns:r="http://schemas.openxmlformats.org/officeDocument/2006/relationships" xmlns:p="http://schemas.openxmlformats.org/presentationml/2006/main">
+  <p:cSld>
+    <p:spTree>
+      <p:nvGrpSpPr>
+        <p:cNvPr id="1" name=""/>
+        <p:cNvGrpSpPr/>
+        <p:nvPr/>
+      </p:nvGrpSpPr>
+      <p:grpSpPr>
+        <a:xfrm>
+          <a:off x="0" y="0"/>
+          <a:ext cx="0" cy="0"/>
+          <a:chOff x="0" y="0"/>
+          <a:chExt cx="0" cy="0"/>
+        </a:xfrm>
+      </p:grpSpPr>
+      <p:pic>
+        <p:nvPicPr>
+          <p:cNvPr id="10" name="Picture Placeholder 9">
+            <a:extLst>
+              <a:ext uri="{FF2B5EF4-FFF2-40B4-BE49-F238E27FC236}">
+                <a16:creationId xmlns:a16="http://schemas.microsoft.com/office/drawing/2014/main" id="{1C50359D-BBB4-4666-A30C-503834690E96}"/>
+              </a:ext>
+            </a:extLst>
+          </p:cNvPr>
+          <p:cNvPicPr>
+            <a:picLocks noGrp="1" noChangeAspect="1"/>
+          </p:cNvPicPr>
+          <p:nvPr>
+            <p:ph type="pic" sz="quarter" idx="14"/>
+          </p:nvPr>
+        </p:nvPicPr>
+        <p:blipFill>
+          <a:blip r:embed="rId2"/>
+          <a:srcRect t="6595" b="6595"/>
+          <a:stretch>
+            <a:fillRect/>
+          </a:stretch>
+        </p:blipFill>
+        <p:spPr>
+          <a:xfrm>
+            <a:off x="188515" y="333375"/>
+            <a:ext cx="11771313" cy="6191250"/>
+          </a:xfrm>
+        </p:spPr>
+      </p:pic>
+      <p:sp>
+        <p:nvSpPr>
+          <p:cNvPr id="6" name="Slide Number Placeholder 5">
+            <a:extLst>
+              <a:ext uri="{FF2B5EF4-FFF2-40B4-BE49-F238E27FC236}">
+                <a16:creationId xmlns:a16="http://schemas.microsoft.com/office/drawing/2014/main" id="{98F1F51A-3DBF-41A0-AE5C-67CC16CB3F56}"/>
               </a:ext>
             </a:extLst>
           </p:cNvPr>
@@ -26772,111 +24067,51 @@
           <a:lstStyle/>
           <a:p>
             <a:fld id="{19B51A1E-902D-48AF-9020-955120F399B6}" type="slidenum">
-              <a:rPr lang="en-US" smtClean="0"/>
+              <a:rPr lang="en-US" noProof="0" smtClean="0"/>
               <a:pPr/>
-              <a:t>3</a:t>
+              <a:t>4</a:t>
             </a:fld>
-            <a:endParaRPr lang="en-US" dirty="0"/>
+            <a:endParaRPr lang="en-US" noProof="0" dirty="0"/>
           </a:p>
         </p:txBody>
       </p:sp>
-      <p:graphicFrame>
-        <p:nvGraphicFramePr>
-          <p:cNvPr id="11" name="Content Placeholder 10" title="Gross Revenue Placeholder Chart">
+      <p:sp>
+        <p:nvSpPr>
+          <p:cNvPr id="7" name="Title 6">
             <a:extLst>
               <a:ext uri="{FF2B5EF4-FFF2-40B4-BE49-F238E27FC236}">
-                <a16:creationId xmlns:a16="http://schemas.microsoft.com/office/drawing/2014/main" id="{1F685447-B604-40DF-90C6-AC58E2F6E16A}"/>
+                <a16:creationId xmlns:a16="http://schemas.microsoft.com/office/drawing/2014/main" id="{DE36B861-27FF-4A21-B8EC-A9F1E952AE66}"/>
               </a:ext>
             </a:extLst>
           </p:cNvPr>
-          <p:cNvGraphicFramePr>
-            <a:graphicFrameLocks noGrp="1"/>
-          </p:cNvGraphicFramePr>
+          <p:cNvSpPr>
+            <a:spLocks noGrp="1"/>
+          </p:cNvSpPr>
           <p:nvPr>
-            <p:ph idx="1"/>
-            <p:extLst>
-              <p:ext uri="{D42A27DB-BD31-4B8C-83A1-F6EECF244321}">
-                <p14:modId xmlns:p14="http://schemas.microsoft.com/office/powerpoint/2010/main" val="1216584219"/>
-              </p:ext>
-            </p:extLst>
+            <p:ph type="ctrTitle"/>
           </p:nvPr>
-        </p:nvGraphicFramePr>
-        <p:xfrm>
-          <a:off x="431800" y="1511300"/>
-          <a:ext cx="3600450" cy="4679950"/>
-        </p:xfrm>
-        <a:graphic>
-          <a:graphicData uri="http://schemas.openxmlformats.org/drawingml/2006/chart">
-            <c:chart xmlns:c="http://schemas.openxmlformats.org/drawingml/2006/chart" xmlns:r="http://schemas.openxmlformats.org/officeDocument/2006/relationships" r:id="rId2"/>
-          </a:graphicData>
-        </a:graphic>
-      </p:graphicFrame>
-      <p:graphicFrame>
-        <p:nvGraphicFramePr>
-          <p:cNvPr id="12" name="Content Placeholder 11" title="Gross Revenue Placeholder Chart">
-            <a:extLst>
-              <a:ext uri="{FF2B5EF4-FFF2-40B4-BE49-F238E27FC236}">
-                <a16:creationId xmlns:a16="http://schemas.microsoft.com/office/drawing/2014/main" id="{A0F4BB4A-48F2-43F4-A168-9FECE898C93D}"/>
-              </a:ext>
-            </a:extLst>
-          </p:cNvPr>
-          <p:cNvGraphicFramePr>
-            <a:graphicFrameLocks noGrp="1"/>
-          </p:cNvGraphicFramePr>
-          <p:nvPr>
-            <p:ph idx="33"/>
-            <p:extLst>
-              <p:ext uri="{D42A27DB-BD31-4B8C-83A1-F6EECF244321}">
-                <p14:modId xmlns:p14="http://schemas.microsoft.com/office/powerpoint/2010/main" val="283666681"/>
-              </p:ext>
-            </p:extLst>
-          </p:nvPr>
-        </p:nvGraphicFramePr>
-        <p:xfrm>
-          <a:off x="4302125" y="1511300"/>
-          <a:ext cx="3600450" cy="4679950"/>
-        </p:xfrm>
-        <a:graphic>
-          <a:graphicData uri="http://schemas.openxmlformats.org/drawingml/2006/chart">
-            <c:chart xmlns:c="http://schemas.openxmlformats.org/drawingml/2006/chart" xmlns:r="http://schemas.openxmlformats.org/officeDocument/2006/relationships" r:id="rId3"/>
-          </a:graphicData>
-        </a:graphic>
-      </p:graphicFrame>
-      <p:graphicFrame>
-        <p:nvGraphicFramePr>
-          <p:cNvPr id="13" name="Content Placeholder 12" title="Gross Revenue Placeholder Chart">
-            <a:extLst>
-              <a:ext uri="{FF2B5EF4-FFF2-40B4-BE49-F238E27FC236}">
-                <a16:creationId xmlns:a16="http://schemas.microsoft.com/office/drawing/2014/main" id="{D4063C29-62FA-4587-B743-C298C5AA2962}"/>
-              </a:ext>
-            </a:extLst>
-          </p:cNvPr>
-          <p:cNvGraphicFramePr>
-            <a:graphicFrameLocks noGrp="1"/>
-          </p:cNvGraphicFramePr>
-          <p:nvPr>
-            <p:ph idx="34"/>
-            <p:extLst>
-              <p:ext uri="{D42A27DB-BD31-4B8C-83A1-F6EECF244321}">
-                <p14:modId xmlns:p14="http://schemas.microsoft.com/office/powerpoint/2010/main" val="980580709"/>
-              </p:ext>
-            </p:extLst>
-          </p:nvPr>
-        </p:nvGraphicFramePr>
-        <p:xfrm>
-          <a:off x="8172450" y="1511300"/>
-          <a:ext cx="3598863" cy="4679950"/>
-        </p:xfrm>
-        <a:graphic>
-          <a:graphicData uri="http://schemas.openxmlformats.org/drawingml/2006/chart">
-            <c:chart xmlns:c="http://schemas.openxmlformats.org/drawingml/2006/chart" xmlns:r="http://schemas.openxmlformats.org/officeDocument/2006/relationships" r:id="rId4"/>
-          </a:graphicData>
-        </a:graphic>
-      </p:graphicFrame>
+        </p:nvSpPr>
+        <p:spPr>
+          <a:xfrm>
+            <a:off x="8761443" y="1586134"/>
+            <a:ext cx="2779599" cy="539345"/>
+          </a:xfrm>
+        </p:spPr>
+        <p:txBody>
+          <a:bodyPr/>
+          <a:lstStyle/>
+          <a:p>
+            <a:r>
+              <a:rPr lang="en-IN" dirty="0"/>
+              <a:t>Final Objective</a:t>
+            </a:r>
+          </a:p>
+        </p:txBody>
+      </p:sp>
     </p:spTree>
     <p:extLst>
       <p:ext uri="{BB962C8B-B14F-4D97-AF65-F5344CB8AC3E}">
-        <p14:creationId xmlns:p14="http://schemas.microsoft.com/office/powerpoint/2010/main" val="25800700"/>
+        <p14:creationId xmlns:p14="http://schemas.microsoft.com/office/powerpoint/2010/main" val="2833449754"/>
       </p:ext>
     </p:extLst>
   </p:cSld>
@@ -26886,7 +24121,7 @@
 </p:sld>
 </file>
 
-<file path=ppt/slides/slide4.xml><?xml version="1.0" encoding="utf-8"?>
+<file path=ppt/slides/slide5.xml><?xml version="1.0" encoding="utf-8"?>
 <p:sld xmlns:a="http://schemas.openxmlformats.org/drawingml/2006/main" xmlns:r="http://schemas.openxmlformats.org/officeDocument/2006/relationships" xmlns:p="http://schemas.openxmlformats.org/presentationml/2006/main">
   <p:cSld>
     <p:spTree>
@@ -28383,6 +25618,23 @@
 </file>
 
 <file path=customXml/item1.xml><?xml version="1.0" encoding="utf-8"?>
+<?mso-contentType ?>
+<FormTemplates xmlns="http://schemas.microsoft.com/sharepoint/v3/contenttype/forms">
+  <Display>DocumentLibraryForm</Display>
+  <Edit>DocumentLibraryForm</Edit>
+  <New>DocumentLibraryForm</New>
+</FormTemplates>
+</file>
+
+<file path=customXml/item2.xml><?xml version="1.0" encoding="utf-8"?>
+<p:properties xmlns:p="http://schemas.microsoft.com/office/2006/metadata/properties" xmlns:xsi="http://www.w3.org/2001/XMLSchema-instance" xmlns:pc="http://schemas.microsoft.com/office/infopath/2007/PartnerControls">
+  <documentManagement>
+    <MediaServiceKeyPoints xmlns="71af3243-3dd4-4a8d-8c0d-dd76da1f02a5" xsi:nil="true"/>
+  </documentManagement>
+</p:properties>
+</file>
+
+<file path=customXml/item3.xml><?xml version="1.0" encoding="utf-8"?>
 <ct:contentTypeSchema xmlns:ct="http://schemas.microsoft.com/office/2006/metadata/contentType" xmlns:ma="http://schemas.microsoft.com/office/2006/metadata/properties/metaAttributes" ct:_="" ma:_="" ma:contentTypeName="Document" ma:contentTypeID="0x01010079F111ED35F8CC479449609E8A0923A6" ma:contentTypeVersion="11" ma:contentTypeDescription="Create a new document." ma:contentTypeScope="" ma:versionID="96291512c1ee715ab617f4c07df79fc1">
   <xsd:schema xmlns:xsd="http://www.w3.org/2001/XMLSchema" xmlns:xs="http://www.w3.org/2001/XMLSchema" xmlns:p="http://schemas.microsoft.com/office/2006/metadata/properties" xmlns:ns2="71af3243-3dd4-4a8d-8c0d-dd76da1f02a5" xmlns:ns3="16c05727-aa75-4e4a-9b5f-8a80a1165891" targetNamespace="http://schemas.microsoft.com/office/2006/metadata/properties" ma:root="true" ma:fieldsID="8256c27c40ca5c40ce1cf6c44f0205df" ns2:_="" ns3:_="">
     <xsd:import namespace="71af3243-3dd4-4a8d-8c0d-dd76da1f02a5"/>
@@ -28593,38 +25845,10 @@
 </ct:contentTypeSchema>
 </file>
 
-<file path=customXml/item2.xml><?xml version="1.0" encoding="utf-8"?>
-<p:properties xmlns:p="http://schemas.microsoft.com/office/2006/metadata/properties" xmlns:xsi="http://www.w3.org/2001/XMLSchema-instance" xmlns:pc="http://schemas.microsoft.com/office/infopath/2007/PartnerControls">
-  <documentManagement>
-    <MediaServiceKeyPoints xmlns="71af3243-3dd4-4a8d-8c0d-dd76da1f02a5" xsi:nil="true"/>
-  </documentManagement>
-</p:properties>
-</file>
-
-<file path=customXml/item3.xml><?xml version="1.0" encoding="utf-8"?>
-<?mso-contentType ?>
-<FormTemplates xmlns="http://schemas.microsoft.com/sharepoint/v3/contenttype/forms">
-  <Display>DocumentLibraryForm</Display>
-  <Edit>DocumentLibraryForm</Edit>
-  <New>DocumentLibraryForm</New>
-</FormTemplates>
-</file>
-
 <file path=customXml/itemProps1.xml><?xml version="1.0" encoding="utf-8"?>
-<ds:datastoreItem xmlns:ds="http://schemas.openxmlformats.org/officeDocument/2006/customXml" ds:itemID="{29AE7CBC-C35C-4FA9-B339-59E31F30C6AC}">
+<ds:datastoreItem xmlns:ds="http://schemas.openxmlformats.org/officeDocument/2006/customXml" ds:itemID="{8A930687-51F2-44C8-9CE6-D1B3D6E17522}">
   <ds:schemaRefs>
-    <ds:schemaRef ds:uri="http://schemas.microsoft.com/office/2006/metadata/contentType"/>
-    <ds:schemaRef ds:uri="http://schemas.microsoft.com/office/2006/metadata/properties/metaAttributes"/>
-    <ds:schemaRef ds:uri="http://www.w3.org/2001/XMLSchema"/>
-    <ds:schemaRef ds:uri="http://schemas.microsoft.com/office/2006/metadata/properties"/>
-    <ds:schemaRef ds:uri="71af3243-3dd4-4a8d-8c0d-dd76da1f02a5"/>
-    <ds:schemaRef ds:uri="16c05727-aa75-4e4a-9b5f-8a80a1165891"/>
-    <ds:schemaRef ds:uri="http://schemas.microsoft.com/office/2006/documentManagement/types"/>
-    <ds:schemaRef ds:uri="http://schemas.microsoft.com/office/infopath/2007/PartnerControls"/>
-    <ds:schemaRef ds:uri="http://schemas.openxmlformats.org/package/2006/metadata/core-properties"/>
-    <ds:schemaRef ds:uri="http://purl.org/dc/elements/1.1/"/>
-    <ds:schemaRef ds:uri="http://purl.org/dc/terms/"/>
-    <ds:schemaRef ds:uri="http://schemas.microsoft.com/internal/obd"/>
+    <ds:schemaRef ds:uri="http://schemas.microsoft.com/sharepoint/v3/contenttype/forms"/>
   </ds:schemaRefs>
 </ds:datastoreItem>
 </file>
@@ -28647,9 +25871,20 @@
 </file>
 
 <file path=customXml/itemProps3.xml><?xml version="1.0" encoding="utf-8"?>
-<ds:datastoreItem xmlns:ds="http://schemas.openxmlformats.org/officeDocument/2006/customXml" ds:itemID="{8A930687-51F2-44C8-9CE6-D1B3D6E17522}">
+<ds:datastoreItem xmlns:ds="http://schemas.openxmlformats.org/officeDocument/2006/customXml" ds:itemID="{29AE7CBC-C35C-4FA9-B339-59E31F30C6AC}">
   <ds:schemaRefs>
-    <ds:schemaRef ds:uri="http://schemas.microsoft.com/sharepoint/v3/contenttype/forms"/>
+    <ds:schemaRef ds:uri="http://schemas.microsoft.com/office/2006/metadata/contentType"/>
+    <ds:schemaRef ds:uri="http://schemas.microsoft.com/office/2006/metadata/properties/metaAttributes"/>
+    <ds:schemaRef ds:uri="http://www.w3.org/2001/XMLSchema"/>
+    <ds:schemaRef ds:uri="http://schemas.microsoft.com/office/2006/metadata/properties"/>
+    <ds:schemaRef ds:uri="71af3243-3dd4-4a8d-8c0d-dd76da1f02a5"/>
+    <ds:schemaRef ds:uri="16c05727-aa75-4e4a-9b5f-8a80a1165891"/>
+    <ds:schemaRef ds:uri="http://schemas.microsoft.com/office/2006/documentManagement/types"/>
+    <ds:schemaRef ds:uri="http://schemas.microsoft.com/office/infopath/2007/PartnerControls"/>
+    <ds:schemaRef ds:uri="http://schemas.openxmlformats.org/package/2006/metadata/core-properties"/>
+    <ds:schemaRef ds:uri="http://purl.org/dc/elements/1.1/"/>
+    <ds:schemaRef ds:uri="http://purl.org/dc/terms/"/>
+    <ds:schemaRef ds:uri="http://schemas.microsoft.com/internal/obd"/>
   </ds:schemaRefs>
 </ds:datastoreItem>
 </file>